--- a/转专业讲座需要的物品/ppt.pptx
+++ b/转专业讲座需要的物品/ppt.pptx
@@ -6,24 +6,28 @@
   </p:sldMasterIdLst>
   <p:sldIdLst>
     <p:sldId id="256" r:id="rId2"/>
-    <p:sldId id="257" r:id="rId3"/>
-    <p:sldId id="258" r:id="rId4"/>
-    <p:sldId id="271" r:id="rId5"/>
-    <p:sldId id="259" r:id="rId6"/>
-    <p:sldId id="268" r:id="rId7"/>
-    <p:sldId id="260" r:id="rId8"/>
-    <p:sldId id="270" r:id="rId9"/>
-    <p:sldId id="261" r:id="rId10"/>
-    <p:sldId id="262" r:id="rId11"/>
-    <p:sldId id="264" r:id="rId12"/>
-    <p:sldId id="265" r:id="rId13"/>
-    <p:sldId id="266" r:id="rId14"/>
-    <p:sldId id="275" r:id="rId15"/>
-    <p:sldId id="267" r:id="rId16"/>
-    <p:sldId id="269" r:id="rId17"/>
-    <p:sldId id="273" r:id="rId18"/>
-    <p:sldId id="274" r:id="rId19"/>
-    <p:sldId id="272" r:id="rId20"/>
+    <p:sldId id="277" r:id="rId3"/>
+    <p:sldId id="278" r:id="rId4"/>
+    <p:sldId id="257" r:id="rId5"/>
+    <p:sldId id="258" r:id="rId6"/>
+    <p:sldId id="271" r:id="rId7"/>
+    <p:sldId id="259" r:id="rId8"/>
+    <p:sldId id="268" r:id="rId9"/>
+    <p:sldId id="260" r:id="rId10"/>
+    <p:sldId id="270" r:id="rId11"/>
+    <p:sldId id="261" r:id="rId12"/>
+    <p:sldId id="262" r:id="rId13"/>
+    <p:sldId id="276" r:id="rId14"/>
+    <p:sldId id="264" r:id="rId15"/>
+    <p:sldId id="265" r:id="rId16"/>
+    <p:sldId id="266" r:id="rId17"/>
+    <p:sldId id="275" r:id="rId18"/>
+    <p:sldId id="267" r:id="rId19"/>
+    <p:sldId id="269" r:id="rId20"/>
+    <p:sldId id="273" r:id="rId21"/>
+    <p:sldId id="274" r:id="rId22"/>
+    <p:sldId id="279" r:id="rId23"/>
+    <p:sldId id="272" r:id="rId24"/>
   </p:sldIdLst>
   <p:sldSz cx="12192000" cy="6858000"/>
   <p:notesSz cx="6858000" cy="9144000"/>
@@ -3393,6 +3397,277 @@
 <file path=ppt/slides/slide10.xml><?xml version="1.0" encoding="utf-8"?>
 <p:sld xmlns:a="http://schemas.openxmlformats.org/drawingml/2006/main" xmlns:r="http://schemas.openxmlformats.org/officeDocument/2006/relationships" xmlns:p="http://schemas.openxmlformats.org/presentationml/2006/main">
   <p:cSld>
+    <p:spTree>
+      <p:nvGrpSpPr>
+        <p:cNvPr id="1" name=""/>
+        <p:cNvGrpSpPr/>
+        <p:nvPr/>
+      </p:nvGrpSpPr>
+      <p:grpSpPr>
+        <a:xfrm>
+          <a:off x="0" y="0"/>
+          <a:ext cx="0" cy="0"/>
+          <a:chOff x="0" y="0"/>
+          <a:chExt cx="0" cy="0"/>
+        </a:xfrm>
+      </p:grpSpPr>
+      <p:sp>
+        <p:nvSpPr>
+          <p:cNvPr id="4" name="标题 3">
+            <a:extLst>
+              <a:ext uri="{FF2B5EF4-FFF2-40B4-BE49-F238E27FC236}">
+                <a16:creationId xmlns:a16="http://schemas.microsoft.com/office/drawing/2014/main" id="{9B42AD7D-D682-436F-B33D-C7F4375FABB1}"/>
+              </a:ext>
+            </a:extLst>
+          </p:cNvPr>
+          <p:cNvSpPr>
+            <a:spLocks noGrp="1"/>
+          </p:cNvSpPr>
+          <p:nvPr>
+            <p:ph type="title"/>
+          </p:nvPr>
+        </p:nvSpPr>
+        <p:spPr>
+          <a:xfrm>
+            <a:off x="446725" y="174579"/>
+            <a:ext cx="3864864" cy="606656"/>
+          </a:xfrm>
+        </p:spPr>
+        <p:txBody>
+          <a:bodyPr>
+            <a:normAutofit fontScale="90000"/>
+          </a:bodyPr>
+          <a:lstStyle/>
+          <a:p>
+            <a:r>
+              <a:rPr lang="zh-CN" altLang="en-US" dirty="0"/>
+              <a:t>我的准备</a:t>
+            </a:r>
+          </a:p>
+        </p:txBody>
+      </p:sp>
+      <p:sp>
+        <p:nvSpPr>
+          <p:cNvPr id="5" name="内容占位符 4">
+            <a:extLst>
+              <a:ext uri="{FF2B5EF4-FFF2-40B4-BE49-F238E27FC236}">
+                <a16:creationId xmlns:a16="http://schemas.microsoft.com/office/drawing/2014/main" id="{65DAE0F9-1C9C-449E-9D0D-2643096FBAAB}"/>
+              </a:ext>
+            </a:extLst>
+          </p:cNvPr>
+          <p:cNvSpPr>
+            <a:spLocks noGrp="1"/>
+          </p:cNvSpPr>
+          <p:nvPr>
+            <p:ph idx="1"/>
+          </p:nvPr>
+        </p:nvSpPr>
+        <p:spPr>
+          <a:xfrm>
+            <a:off x="607805" y="1145214"/>
+            <a:ext cx="7729728" cy="4839026"/>
+          </a:xfrm>
+        </p:spPr>
+        <p:txBody>
+          <a:bodyPr>
+            <a:normAutofit/>
+          </a:bodyPr>
+          <a:lstStyle/>
+          <a:p>
+            <a:r>
+              <a:rPr lang="zh-CN" altLang="en-US" sz="4400" dirty="0"/>
+              <a:t>寒假：入门</a:t>
+            </a:r>
+            <a:r>
+              <a:rPr lang="en-US" altLang="zh-CN" sz="4400" dirty="0"/>
+              <a:t>C++</a:t>
+            </a:r>
+          </a:p>
+          <a:p>
+            <a:r>
+              <a:rPr lang="en-US" altLang="zh-CN" sz="4400" dirty="0"/>
+              <a:t>3</a:t>
+            </a:r>
+            <a:r>
+              <a:rPr lang="zh-CN" altLang="en-US" sz="4400" dirty="0"/>
+              <a:t>月：学习</a:t>
+            </a:r>
+            <a:r>
+              <a:rPr lang="en-US" altLang="zh-CN" sz="4400" dirty="0"/>
+              <a:t>C++</a:t>
+            </a:r>
+            <a:r>
+              <a:rPr lang="zh-CN" altLang="en-US" sz="4400" dirty="0"/>
+              <a:t>类相关知识</a:t>
+            </a:r>
+            <a:endParaRPr lang="en-US" altLang="zh-CN" sz="4400" dirty="0"/>
+          </a:p>
+          <a:p>
+            <a:r>
+              <a:rPr lang="zh-CN" altLang="en-US" sz="4400" dirty="0"/>
+              <a:t>三月底：完成贪吃蛇代码</a:t>
+            </a:r>
+            <a:endParaRPr lang="en-US" altLang="zh-CN" sz="4400" dirty="0"/>
+          </a:p>
+          <a:p>
+            <a:r>
+              <a:rPr lang="zh-CN" altLang="en-US" sz="4400" dirty="0"/>
+              <a:t>四月初：完成俄罗斯方块代码</a:t>
+            </a:r>
+            <a:endParaRPr lang="en-US" altLang="zh-CN" sz="4400" dirty="0"/>
+          </a:p>
+          <a:p>
+            <a:r>
+              <a:rPr lang="zh-CN" altLang="en-US" sz="4400" dirty="0"/>
+              <a:t>四月中旬：写</a:t>
+            </a:r>
+            <a:r>
+              <a:rPr lang="en-US" altLang="zh-CN" sz="4400" dirty="0"/>
+              <a:t>+</a:t>
+            </a:r>
+            <a:r>
+              <a:rPr lang="zh-CN" altLang="en-US" sz="4400" dirty="0"/>
+              <a:t>背面试稿子</a:t>
+            </a:r>
+          </a:p>
+        </p:txBody>
+      </p:sp>
+    </p:spTree>
+    <p:extLst>
+      <p:ext uri="{BB962C8B-B14F-4D97-AF65-F5344CB8AC3E}">
+        <p14:creationId xmlns:p14="http://schemas.microsoft.com/office/powerpoint/2010/main" val="3810499437"/>
+      </p:ext>
+    </p:extLst>
+  </p:cSld>
+  <p:clrMapOvr>
+    <a:masterClrMapping/>
+  </p:clrMapOvr>
+</p:sld>
+</file>
+
+<file path=ppt/slides/slide11.xml><?xml version="1.0" encoding="utf-8"?>
+<p:sld xmlns:a="http://schemas.openxmlformats.org/drawingml/2006/main" xmlns:r="http://schemas.openxmlformats.org/officeDocument/2006/relationships" xmlns:p="http://schemas.openxmlformats.org/presentationml/2006/main">
+  <p:cSld>
+    <p:spTree>
+      <p:nvGrpSpPr>
+        <p:cNvPr id="1" name=""/>
+        <p:cNvGrpSpPr/>
+        <p:nvPr/>
+      </p:nvGrpSpPr>
+      <p:grpSpPr>
+        <a:xfrm>
+          <a:off x="0" y="0"/>
+          <a:ext cx="0" cy="0"/>
+          <a:chOff x="0" y="0"/>
+          <a:chExt cx="0" cy="0"/>
+        </a:xfrm>
+      </p:grpSpPr>
+      <p:sp>
+        <p:nvSpPr>
+          <p:cNvPr id="4" name="标题 3">
+            <a:extLst>
+              <a:ext uri="{FF2B5EF4-FFF2-40B4-BE49-F238E27FC236}">
+                <a16:creationId xmlns:a16="http://schemas.microsoft.com/office/drawing/2014/main" id="{9B42AD7D-D682-436F-B33D-C7F4375FABB1}"/>
+              </a:ext>
+            </a:extLst>
+          </p:cNvPr>
+          <p:cNvSpPr>
+            <a:spLocks noGrp="1"/>
+          </p:cNvSpPr>
+          <p:nvPr>
+            <p:ph type="title"/>
+          </p:nvPr>
+        </p:nvSpPr>
+        <p:spPr/>
+        <p:txBody>
+          <a:bodyPr/>
+          <a:lstStyle/>
+          <a:p>
+            <a:r>
+              <a:rPr lang="zh-CN" altLang="en-US" dirty="0"/>
+              <a:t>自我介绍</a:t>
+            </a:r>
+          </a:p>
+        </p:txBody>
+      </p:sp>
+      <p:sp>
+        <p:nvSpPr>
+          <p:cNvPr id="5" name="内容占位符 4">
+            <a:extLst>
+              <a:ext uri="{FF2B5EF4-FFF2-40B4-BE49-F238E27FC236}">
+                <a16:creationId xmlns:a16="http://schemas.microsoft.com/office/drawing/2014/main" id="{65DAE0F9-1C9C-449E-9D0D-2643096FBAAB}"/>
+              </a:ext>
+            </a:extLst>
+          </p:cNvPr>
+          <p:cNvSpPr>
+            <a:spLocks noGrp="1"/>
+          </p:cNvSpPr>
+          <p:nvPr>
+            <p:ph idx="1"/>
+          </p:nvPr>
+        </p:nvSpPr>
+        <p:spPr/>
+        <p:txBody>
+          <a:bodyPr>
+            <a:normAutofit/>
+          </a:bodyPr>
+          <a:lstStyle/>
+          <a:p>
+            <a:r>
+              <a:rPr lang="zh-CN" altLang="en-US" sz="2000" dirty="0"/>
+              <a:t>介绍自己的来源和要去的地方</a:t>
+            </a:r>
+            <a:endParaRPr lang="en-US" altLang="zh-CN" sz="2000" dirty="0"/>
+          </a:p>
+          <a:p>
+            <a:r>
+              <a:rPr lang="zh-CN" altLang="en-US" sz="2000" dirty="0"/>
+              <a:t>介绍自己想要转入</a:t>
+            </a:r>
+            <a:r>
+              <a:rPr lang="zh-CN" altLang="en-US" sz="2000" b="1" dirty="0"/>
+              <a:t> 软件 </a:t>
+            </a:r>
+            <a:r>
+              <a:rPr lang="zh-CN" altLang="en-US" sz="2000" dirty="0"/>
+              <a:t>的原因</a:t>
+            </a:r>
+            <a:endParaRPr lang="en-US" altLang="zh-CN" sz="2000" dirty="0"/>
+          </a:p>
+          <a:p>
+            <a:r>
+              <a:rPr lang="zh-CN" altLang="en-US" sz="2000" dirty="0"/>
+              <a:t>介绍自己的优势：有项目开发经验？擅长数理逻辑？</a:t>
+            </a:r>
+            <a:r>
+              <a:rPr lang="en-US" altLang="zh-CN" sz="2000" dirty="0"/>
+              <a:t>……</a:t>
+            </a:r>
+          </a:p>
+          <a:p>
+            <a:r>
+              <a:rPr lang="zh-CN" altLang="en-US" sz="2000" dirty="0"/>
+              <a:t>自己的未来规划：转入后，自己的规划如何？</a:t>
+            </a:r>
+          </a:p>
+        </p:txBody>
+      </p:sp>
+    </p:spTree>
+    <p:extLst>
+      <p:ext uri="{BB962C8B-B14F-4D97-AF65-F5344CB8AC3E}">
+        <p14:creationId xmlns:p14="http://schemas.microsoft.com/office/powerpoint/2010/main" val="3074495315"/>
+      </p:ext>
+    </p:extLst>
+  </p:cSld>
+  <p:clrMapOvr>
+    <a:masterClrMapping/>
+  </p:clrMapOvr>
+</p:sld>
+</file>
+
+<file path=ppt/slides/slide12.xml><?xml version="1.0" encoding="utf-8"?>
+<p:sld xmlns:a="http://schemas.openxmlformats.org/drawingml/2006/main" xmlns:r="http://schemas.openxmlformats.org/officeDocument/2006/relationships" xmlns:p="http://schemas.openxmlformats.org/presentationml/2006/main">
+  <p:cSld>
     <p:bg>
       <p:bgPr>
         <a:solidFill>
@@ -3507,7 +3782,78 @@
 </p:sld>
 </file>
 
-<file path=ppt/slides/slide11.xml><?xml version="1.0" encoding="utf-8"?>
+<file path=ppt/slides/slide13.xml><?xml version="1.0" encoding="utf-8"?>
+<p:sld xmlns:a="http://schemas.openxmlformats.org/drawingml/2006/main" xmlns:r="http://schemas.openxmlformats.org/officeDocument/2006/relationships" xmlns:p="http://schemas.openxmlformats.org/presentationml/2006/main">
+  <p:cSld>
+    <p:spTree>
+      <p:nvGrpSpPr>
+        <p:cNvPr id="1" name=""/>
+        <p:cNvGrpSpPr/>
+        <p:nvPr/>
+      </p:nvGrpSpPr>
+      <p:grpSpPr>
+        <a:xfrm>
+          <a:off x="0" y="0"/>
+          <a:ext cx="0" cy="0"/>
+          <a:chOff x="0" y="0"/>
+          <a:chExt cx="0" cy="0"/>
+        </a:xfrm>
+      </p:grpSpPr>
+      <p:pic>
+        <p:nvPicPr>
+          <p:cNvPr id="3" name="图片 2">
+            <a:extLst>
+              <a:ext uri="{FF2B5EF4-FFF2-40B4-BE49-F238E27FC236}">
+                <a16:creationId xmlns:a16="http://schemas.microsoft.com/office/drawing/2014/main" id="{864F467C-F4FA-4C12-82D7-4A0C79FCE3AE}"/>
+              </a:ext>
+            </a:extLst>
+          </p:cNvPr>
+          <p:cNvPicPr>
+            <a:picLocks noChangeAspect="1"/>
+          </p:cNvPicPr>
+          <p:nvPr/>
+        </p:nvPicPr>
+        <p:blipFill rotWithShape="1">
+          <a:blip r:embed="rId2"/>
+          <a:srcRect t="13501" r="49217" b="25000"/>
+          <a:stretch/>
+        </p:blipFill>
+        <p:spPr>
+          <a:xfrm>
+            <a:off x="1477907" y="-1198175"/>
+            <a:ext cx="8869819" cy="8056175"/>
+          </a:xfrm>
+          <a:prstGeom prst="rect">
+            <a:avLst/>
+          </a:prstGeom>
+        </p:spPr>
+      </p:pic>
+    </p:spTree>
+    <p:extLst>
+      <p:ext uri="{BB962C8B-B14F-4D97-AF65-F5344CB8AC3E}">
+        <p14:creationId xmlns:p14="http://schemas.microsoft.com/office/powerpoint/2010/main" val="2419188446"/>
+      </p:ext>
+    </p:extLst>
+  </p:cSld>
+  <p:clrMapOvr>
+    <a:masterClrMapping/>
+  </p:clrMapOvr>
+  <mc:AlternateContent xmlns:mc="http://schemas.openxmlformats.org/markup-compatibility/2006">
+    <mc:Choice xmlns:p159="http://schemas.microsoft.com/office/powerpoint/2015/09/main" Requires="p159">
+      <p:transition xmlns:p14="http://schemas.microsoft.com/office/powerpoint/2010/main" spd="slow" p14:dur="2000">
+        <p159:morph option="byObject"/>
+      </p:transition>
+    </mc:Choice>
+    <mc:Fallback>
+      <p:transition spd="slow">
+        <p:fade/>
+      </p:transition>
+    </mc:Fallback>
+  </mc:AlternateContent>
+</p:sld>
+</file>
+
+<file path=ppt/slides/slide14.xml><?xml version="1.0" encoding="utf-8"?>
 <p:sld xmlns:a="http://schemas.openxmlformats.org/drawingml/2006/main" xmlns:r="http://schemas.openxmlformats.org/officeDocument/2006/relationships" xmlns:p="http://schemas.openxmlformats.org/presentationml/2006/main">
   <p:cSld>
     <p:bg>
@@ -3804,10 +4150,11 @@
   <p:clrMapOvr>
     <a:masterClrMapping/>
   </p:clrMapOvr>
+  <p:transition spd="slow"/>
 </p:sld>
 </file>
 
-<file path=ppt/slides/slide12.xml><?xml version="1.0" encoding="utf-8"?>
+<file path=ppt/slides/slide15.xml><?xml version="1.0" encoding="utf-8"?>
 <p:sld xmlns:a="http://schemas.openxmlformats.org/drawingml/2006/main" xmlns:r="http://schemas.openxmlformats.org/officeDocument/2006/relationships" xmlns:p="http://schemas.openxmlformats.org/presentationml/2006/main">
   <p:cSld>
     <p:bg>
@@ -4104,10 +4451,22 @@
   <p:clrMapOvr>
     <a:masterClrMapping/>
   </p:clrMapOvr>
+  <mc:AlternateContent xmlns:mc="http://schemas.openxmlformats.org/markup-compatibility/2006">
+    <mc:Choice xmlns:p159="http://schemas.microsoft.com/office/powerpoint/2015/09/main" Requires="p159">
+      <p:transition spd="slow">
+        <p159:morph option="byObject"/>
+      </p:transition>
+    </mc:Choice>
+    <mc:Fallback>
+      <p:transition spd="slow">
+        <p:fade/>
+      </p:transition>
+    </mc:Fallback>
+  </mc:AlternateContent>
 </p:sld>
 </file>
 
-<file path=ppt/slides/slide13.xml><?xml version="1.0" encoding="utf-8"?>
+<file path=ppt/slides/slide16.xml><?xml version="1.0" encoding="utf-8"?>
 <p:sld xmlns:a="http://schemas.openxmlformats.org/drawingml/2006/main" xmlns:r="http://schemas.openxmlformats.org/officeDocument/2006/relationships" xmlns:p="http://schemas.openxmlformats.org/presentationml/2006/main">
   <p:cSld>
     <p:bg>
@@ -4404,10 +4763,22 @@
   <p:clrMapOvr>
     <a:masterClrMapping/>
   </p:clrMapOvr>
+  <mc:AlternateContent xmlns:mc="http://schemas.openxmlformats.org/markup-compatibility/2006">
+    <mc:Choice xmlns:p159="http://schemas.microsoft.com/office/powerpoint/2015/09/main" Requires="p159">
+      <p:transition spd="slow">
+        <p159:morph option="byObject"/>
+      </p:transition>
+    </mc:Choice>
+    <mc:Fallback>
+      <p:transition spd="slow">
+        <p:fade/>
+      </p:transition>
+    </mc:Fallback>
+  </mc:AlternateContent>
 </p:sld>
 </file>
 
-<file path=ppt/slides/slide14.xml><?xml version="1.0" encoding="utf-8"?>
+<file path=ppt/slides/slide17.xml><?xml version="1.0" encoding="utf-8"?>
 <p:sld xmlns:a="http://schemas.openxmlformats.org/drawingml/2006/main" xmlns:r="http://schemas.openxmlformats.org/officeDocument/2006/relationships" xmlns:p="http://schemas.openxmlformats.org/presentationml/2006/main">
   <p:cSld>
     <p:bg>
@@ -4662,507 +5033,6 @@
 </p:sld>
 </file>
 
-<file path=ppt/slides/slide15.xml><?xml version="1.0" encoding="utf-8"?>
-<p:sld xmlns:a="http://schemas.openxmlformats.org/drawingml/2006/main" xmlns:r="http://schemas.openxmlformats.org/officeDocument/2006/relationships" xmlns:p="http://schemas.openxmlformats.org/presentationml/2006/main">
-  <p:cSld>
-    <p:spTree>
-      <p:nvGrpSpPr>
-        <p:cNvPr id="1" name=""/>
-        <p:cNvGrpSpPr/>
-        <p:nvPr/>
-      </p:nvGrpSpPr>
-      <p:grpSpPr>
-        <a:xfrm>
-          <a:off x="0" y="0"/>
-          <a:ext cx="0" cy="0"/>
-          <a:chOff x="0" y="0"/>
-          <a:chExt cx="0" cy="0"/>
-        </a:xfrm>
-      </p:grpSpPr>
-      <p:sp>
-        <p:nvSpPr>
-          <p:cNvPr id="2" name="标题 1">
-            <a:extLst>
-              <a:ext uri="{FF2B5EF4-FFF2-40B4-BE49-F238E27FC236}">
-                <a16:creationId xmlns:a16="http://schemas.microsoft.com/office/drawing/2014/main" id="{DD3DE4A3-9AE8-4015-B6A3-D6A5FDA2A18E}"/>
-              </a:ext>
-            </a:extLst>
-          </p:cNvPr>
-          <p:cNvSpPr>
-            <a:spLocks noGrp="1"/>
-          </p:cNvSpPr>
-          <p:nvPr>
-            <p:ph type="title"/>
-          </p:nvPr>
-        </p:nvSpPr>
-        <p:spPr/>
-        <p:txBody>
-          <a:bodyPr/>
-          <a:lstStyle/>
-          <a:p>
-            <a:r>
-              <a:rPr lang="zh-CN" altLang="en-US" dirty="0"/>
-              <a:t>推荐可以准备的一些</a:t>
-            </a:r>
-          </a:p>
-        </p:txBody>
-      </p:sp>
-      <p:sp>
-        <p:nvSpPr>
-          <p:cNvPr id="3" name="内容占位符 2">
-            <a:extLst>
-              <a:ext uri="{FF2B5EF4-FFF2-40B4-BE49-F238E27FC236}">
-                <a16:creationId xmlns:a16="http://schemas.microsoft.com/office/drawing/2014/main" id="{B2183D6C-8DAC-4410-BE5A-2B6014A2D851}"/>
-              </a:ext>
-            </a:extLst>
-          </p:cNvPr>
-          <p:cNvSpPr>
-            <a:spLocks noGrp="1"/>
-          </p:cNvSpPr>
-          <p:nvPr>
-            <p:ph idx="1"/>
-          </p:nvPr>
-        </p:nvSpPr>
-        <p:spPr/>
-        <p:txBody>
-          <a:bodyPr/>
-          <a:lstStyle/>
-          <a:p>
-            <a:r>
-              <a:rPr lang="zh-CN" altLang="en-US" dirty="0"/>
-              <a:t>学会一门语言：</a:t>
-            </a:r>
-            <a:r>
-              <a:rPr lang="en-US" altLang="zh-CN" dirty="0"/>
-              <a:t>C++</a:t>
-            </a:r>
-            <a:r>
-              <a:rPr lang="zh-CN" altLang="en-US" dirty="0"/>
-              <a:t>或</a:t>
-            </a:r>
-            <a:r>
-              <a:rPr lang="en-US" altLang="zh-CN" dirty="0"/>
-              <a:t>Python</a:t>
-            </a:r>
-            <a:r>
-              <a:rPr lang="zh-CN" altLang="en-US" dirty="0"/>
-              <a:t>（推荐</a:t>
-            </a:r>
-            <a:r>
-              <a:rPr lang="en-US" altLang="zh-CN" dirty="0"/>
-              <a:t>Python</a:t>
-            </a:r>
-            <a:r>
-              <a:rPr lang="zh-CN" altLang="en-US" dirty="0"/>
-              <a:t>）</a:t>
-            </a:r>
-            <a:endParaRPr lang="en-US" altLang="zh-CN" dirty="0"/>
-          </a:p>
-          <a:p>
-            <a:r>
-              <a:rPr lang="zh-CN" altLang="en-US" dirty="0"/>
-              <a:t>了解一些基本的算法：如冒泡排序、快速排序、深度优先搜索等</a:t>
-            </a:r>
-            <a:endParaRPr lang="en-US" altLang="zh-CN" dirty="0"/>
-          </a:p>
-          <a:p>
-            <a:r>
-              <a:rPr lang="zh-CN" altLang="en-US" dirty="0"/>
-              <a:t>试着做一些小项目，推荐如下（可以了解一下</a:t>
-            </a:r>
-            <a:r>
-              <a:rPr lang="en-US" altLang="zh-CN" dirty="0"/>
-              <a:t>Python</a:t>
-            </a:r>
-            <a:r>
-              <a:rPr lang="zh-CN" altLang="en-US" dirty="0"/>
-              <a:t>中的</a:t>
-            </a:r>
-            <a:r>
-              <a:rPr lang="en-US" altLang="zh-CN" dirty="0" err="1"/>
-              <a:t>Pygame</a:t>
-            </a:r>
-            <a:r>
-              <a:rPr lang="zh-CN" altLang="en-US" dirty="0"/>
-              <a:t>库，能够比较方便的做出带界面的程序）</a:t>
-            </a:r>
-            <a:endParaRPr lang="en-US" altLang="zh-CN" dirty="0"/>
-          </a:p>
-          <a:p>
-            <a:pPr lvl="1"/>
-            <a:r>
-              <a:rPr lang="zh-CN" altLang="en-US" dirty="0"/>
-              <a:t>五子棋</a:t>
-            </a:r>
-            <a:endParaRPr lang="en-US" altLang="zh-CN" dirty="0"/>
-          </a:p>
-          <a:p>
-            <a:pPr lvl="1"/>
-            <a:r>
-              <a:rPr lang="zh-CN" altLang="en-US" dirty="0"/>
-              <a:t>俄罗斯方块</a:t>
-            </a:r>
-            <a:endParaRPr lang="en-US" altLang="zh-CN" dirty="0"/>
-          </a:p>
-          <a:p>
-            <a:r>
-              <a:rPr lang="en-US" altLang="zh-CN" dirty="0" err="1"/>
-              <a:t>etc</a:t>
-            </a:r>
-            <a:endParaRPr lang="en-US" altLang="zh-CN" dirty="0"/>
-          </a:p>
-        </p:txBody>
-      </p:sp>
-    </p:spTree>
-    <p:extLst>
-      <p:ext uri="{BB962C8B-B14F-4D97-AF65-F5344CB8AC3E}">
-        <p14:creationId xmlns:p14="http://schemas.microsoft.com/office/powerpoint/2010/main" val="3486472061"/>
-      </p:ext>
-    </p:extLst>
-  </p:cSld>
-  <p:clrMapOvr>
-    <a:masterClrMapping/>
-  </p:clrMapOvr>
-</p:sld>
-</file>
-
-<file path=ppt/slides/slide16.xml><?xml version="1.0" encoding="utf-8"?>
-<p:sld xmlns:a="http://schemas.openxmlformats.org/drawingml/2006/main" xmlns:r="http://schemas.openxmlformats.org/officeDocument/2006/relationships" xmlns:p="http://schemas.openxmlformats.org/presentationml/2006/main">
-  <p:cSld>
-    <p:spTree>
-      <p:nvGrpSpPr>
-        <p:cNvPr id="1" name=""/>
-        <p:cNvGrpSpPr/>
-        <p:nvPr/>
-      </p:nvGrpSpPr>
-      <p:grpSpPr>
-        <a:xfrm>
-          <a:off x="0" y="0"/>
-          <a:ext cx="0" cy="0"/>
-          <a:chOff x="0" y="0"/>
-          <a:chExt cx="0" cy="0"/>
-        </a:xfrm>
-      </p:grpSpPr>
-      <p:sp>
-        <p:nvSpPr>
-          <p:cNvPr id="2" name="标题 1">
-            <a:extLst>
-              <a:ext uri="{FF2B5EF4-FFF2-40B4-BE49-F238E27FC236}">
-                <a16:creationId xmlns:a16="http://schemas.microsoft.com/office/drawing/2014/main" id="{DD3DE4A3-9AE8-4015-B6A3-D6A5FDA2A18E}"/>
-              </a:ext>
-            </a:extLst>
-          </p:cNvPr>
-          <p:cNvSpPr>
-            <a:spLocks noGrp="1"/>
-          </p:cNvSpPr>
-          <p:nvPr>
-            <p:ph type="title"/>
-          </p:nvPr>
-        </p:nvSpPr>
-        <p:spPr/>
-        <p:txBody>
-          <a:bodyPr/>
-          <a:lstStyle/>
-          <a:p>
-            <a:r>
-              <a:rPr lang="zh-CN" altLang="en-US" dirty="0"/>
-              <a:t>推荐学习资料</a:t>
-            </a:r>
-          </a:p>
-        </p:txBody>
-      </p:sp>
-      <p:sp>
-        <p:nvSpPr>
-          <p:cNvPr id="3" name="内容占位符 2">
-            <a:extLst>
-              <a:ext uri="{FF2B5EF4-FFF2-40B4-BE49-F238E27FC236}">
-                <a16:creationId xmlns:a16="http://schemas.microsoft.com/office/drawing/2014/main" id="{B2183D6C-8DAC-4410-BE5A-2B6014A2D851}"/>
-              </a:ext>
-            </a:extLst>
-          </p:cNvPr>
-          <p:cNvSpPr>
-            <a:spLocks noGrp="1"/>
-          </p:cNvSpPr>
-          <p:nvPr>
-            <p:ph idx="1"/>
-          </p:nvPr>
-        </p:nvSpPr>
-        <p:spPr/>
-        <p:txBody>
-          <a:bodyPr/>
-          <a:lstStyle/>
-          <a:p>
-            <a:r>
-              <a:rPr lang="zh-CN" altLang="en-US" dirty="0"/>
-              <a:t>编程语言：</a:t>
-            </a:r>
-            <a:endParaRPr lang="en-US" altLang="zh-CN" dirty="0"/>
-          </a:p>
-          <a:p>
-            <a:pPr lvl="1"/>
-            <a:r>
-              <a:rPr lang="en-US" altLang="zh-CN" dirty="0"/>
-              <a:t>C++</a:t>
-            </a:r>
-            <a:r>
-              <a:rPr lang="zh-CN" altLang="en-US" dirty="0"/>
-              <a:t>入门：</a:t>
-            </a:r>
-            <a:r>
-              <a:rPr lang="en-US" altLang="zh-CN" dirty="0"/>
-              <a:t>《</a:t>
-            </a:r>
-            <a:r>
-              <a:rPr lang="zh-CN" altLang="en-US" dirty="0"/>
-              <a:t>啊哈</a:t>
-            </a:r>
-            <a:r>
-              <a:rPr lang="en-US" altLang="zh-CN" dirty="0"/>
-              <a:t>C》</a:t>
-            </a:r>
-          </a:p>
-          <a:p>
-            <a:pPr lvl="1"/>
-            <a:r>
-              <a:rPr lang="zh-CN" altLang="en-US" dirty="0"/>
-              <a:t>算法入门：</a:t>
-            </a:r>
-            <a:r>
-              <a:rPr lang="en-US" altLang="zh-CN" dirty="0"/>
-              <a:t>《</a:t>
-            </a:r>
-            <a:r>
-              <a:rPr lang="zh-CN" altLang="en-US" dirty="0"/>
-              <a:t>啊哈算法</a:t>
-            </a:r>
-            <a:r>
-              <a:rPr lang="en-US" altLang="zh-CN" dirty="0"/>
-              <a:t>》</a:t>
-            </a:r>
-          </a:p>
-          <a:p>
-            <a:pPr lvl="1"/>
-            <a:r>
-              <a:rPr lang="en-US" altLang="zh-CN" dirty="0"/>
-              <a:t>C++</a:t>
-            </a:r>
-            <a:r>
-              <a:rPr lang="zh-CN" altLang="en-US" dirty="0"/>
-              <a:t>深入：</a:t>
-            </a:r>
-            <a:r>
-              <a:rPr lang="en-US" altLang="zh-CN" dirty="0"/>
-              <a:t>MOOC</a:t>
-            </a:r>
-            <a:r>
-              <a:rPr lang="zh-CN" altLang="en-US" dirty="0"/>
-              <a:t>郭炜视频、</a:t>
-            </a:r>
-            <a:r>
-              <a:rPr lang="en-US" altLang="zh-CN" dirty="0"/>
-              <a:t>《C Primer Plus》</a:t>
-            </a:r>
-          </a:p>
-          <a:p>
-            <a:pPr lvl="1"/>
-            <a:r>
-              <a:rPr lang="en-US" altLang="zh-CN" dirty="0"/>
-              <a:t>Python</a:t>
-            </a:r>
-            <a:r>
-              <a:rPr lang="zh-CN" altLang="en-US" dirty="0"/>
-              <a:t>：</a:t>
-            </a:r>
-            <a:r>
-              <a:rPr lang="en-US" altLang="zh-CN" dirty="0"/>
-              <a:t>MOOC </a:t>
-            </a:r>
-            <a:r>
-              <a:rPr lang="zh-CN" altLang="en-US" dirty="0"/>
-              <a:t>北京理工大学系列视频</a:t>
-            </a:r>
-            <a:endParaRPr lang="en-US" altLang="zh-CN" dirty="0"/>
-          </a:p>
-          <a:p>
-            <a:r>
-              <a:rPr lang="zh-CN" altLang="en-US" dirty="0"/>
-              <a:t>在线</a:t>
-            </a:r>
-            <a:r>
-              <a:rPr lang="en-US" altLang="zh-CN" dirty="0"/>
-              <a:t>OJ</a:t>
-            </a:r>
-            <a:r>
-              <a:rPr lang="zh-CN" altLang="en-US" dirty="0"/>
-              <a:t>平台：</a:t>
-            </a:r>
-            <a:r>
-              <a:rPr lang="en-US" altLang="zh-CN" dirty="0"/>
-              <a:t>PAT</a:t>
-            </a:r>
-            <a:r>
-              <a:rPr lang="zh-CN" altLang="en-US" dirty="0"/>
-              <a:t>乙级（适合编程入门）</a:t>
-            </a:r>
-            <a:endParaRPr lang="en-US" altLang="zh-CN" dirty="0"/>
-          </a:p>
-          <a:p>
-            <a:r>
-              <a:rPr lang="zh-CN" altLang="en-US" dirty="0"/>
-              <a:t>某学习群，可以随时问一些问题</a:t>
-            </a:r>
-            <a:endParaRPr lang="en-US" altLang="zh-CN" dirty="0"/>
-          </a:p>
-          <a:p>
-            <a:endParaRPr lang="en-US" altLang="zh-CN" dirty="0"/>
-          </a:p>
-        </p:txBody>
-      </p:sp>
-    </p:spTree>
-    <p:extLst>
-      <p:ext uri="{BB962C8B-B14F-4D97-AF65-F5344CB8AC3E}">
-        <p14:creationId xmlns:p14="http://schemas.microsoft.com/office/powerpoint/2010/main" val="8085295"/>
-      </p:ext>
-    </p:extLst>
-  </p:cSld>
-  <p:clrMapOvr>
-    <a:masterClrMapping/>
-  </p:clrMapOvr>
-</p:sld>
-</file>
-
-<file path=ppt/slides/slide17.xml><?xml version="1.0" encoding="utf-8"?>
-<p:sld xmlns:a="http://schemas.openxmlformats.org/drawingml/2006/main" xmlns:r="http://schemas.openxmlformats.org/officeDocument/2006/relationships" xmlns:p="http://schemas.openxmlformats.org/presentationml/2006/main">
-  <p:cSld>
-    <p:spTree>
-      <p:nvGrpSpPr>
-        <p:cNvPr id="1" name=""/>
-        <p:cNvGrpSpPr/>
-        <p:nvPr/>
-      </p:nvGrpSpPr>
-      <p:grpSpPr>
-        <a:xfrm>
-          <a:off x="0" y="0"/>
-          <a:ext cx="0" cy="0"/>
-          <a:chOff x="0" y="0"/>
-          <a:chExt cx="0" cy="0"/>
-        </a:xfrm>
-      </p:grpSpPr>
-      <p:sp>
-        <p:nvSpPr>
-          <p:cNvPr id="2" name="标题 1">
-            <a:extLst>
-              <a:ext uri="{FF2B5EF4-FFF2-40B4-BE49-F238E27FC236}">
-                <a16:creationId xmlns:a16="http://schemas.microsoft.com/office/drawing/2014/main" id="{DD3DE4A3-9AE8-4015-B6A3-D6A5FDA2A18E}"/>
-              </a:ext>
-            </a:extLst>
-          </p:cNvPr>
-          <p:cNvSpPr>
-            <a:spLocks noGrp="1"/>
-          </p:cNvSpPr>
-          <p:nvPr>
-            <p:ph type="title"/>
-          </p:nvPr>
-        </p:nvSpPr>
-        <p:spPr/>
-        <p:txBody>
-          <a:bodyPr/>
-          <a:lstStyle/>
-          <a:p>
-            <a:r>
-              <a:rPr lang="zh-CN" altLang="en-US" dirty="0"/>
-              <a:t>推荐软件</a:t>
-            </a:r>
-          </a:p>
-        </p:txBody>
-      </p:sp>
-      <p:sp>
-        <p:nvSpPr>
-          <p:cNvPr id="3" name="内容占位符 2">
-            <a:extLst>
-              <a:ext uri="{FF2B5EF4-FFF2-40B4-BE49-F238E27FC236}">
-                <a16:creationId xmlns:a16="http://schemas.microsoft.com/office/drawing/2014/main" id="{B2183D6C-8DAC-4410-BE5A-2B6014A2D851}"/>
-              </a:ext>
-            </a:extLst>
-          </p:cNvPr>
-          <p:cNvSpPr>
-            <a:spLocks noGrp="1"/>
-          </p:cNvSpPr>
-          <p:nvPr>
-            <p:ph idx="1"/>
-          </p:nvPr>
-        </p:nvSpPr>
-        <p:spPr/>
-        <p:txBody>
-          <a:bodyPr/>
-          <a:lstStyle/>
-          <a:p>
-            <a:r>
-              <a:rPr lang="zh-CN" altLang="en-US" dirty="0"/>
-              <a:t>永远的神：</a:t>
-            </a:r>
-            <a:r>
-              <a:rPr lang="en-US" altLang="zh-CN" dirty="0"/>
-              <a:t>Visual Studio2019</a:t>
-            </a:r>
-          </a:p>
-          <a:p>
-            <a:r>
-              <a:rPr lang="en-US" altLang="zh-CN" dirty="0" err="1"/>
-              <a:t>Github</a:t>
-            </a:r>
-            <a:r>
-              <a:rPr lang="zh-CN" altLang="en-US" dirty="0"/>
-              <a:t>比较方便的管理软件：</a:t>
-            </a:r>
-            <a:r>
-              <a:rPr lang="en-US" altLang="zh-CN" dirty="0"/>
-              <a:t>Git Bash</a:t>
-            </a:r>
-          </a:p>
-          <a:p>
-            <a:r>
-              <a:rPr lang="zh-CN" altLang="en-US" dirty="0"/>
-              <a:t>轻量级编辑器：</a:t>
-            </a:r>
-            <a:r>
-              <a:rPr lang="en-US" altLang="zh-CN" dirty="0" err="1"/>
-              <a:t>Vscode</a:t>
-            </a:r>
-            <a:endParaRPr lang="en-US" altLang="zh-CN" dirty="0"/>
-          </a:p>
-          <a:p>
-            <a:r>
-              <a:rPr lang="en-US" altLang="zh-CN" dirty="0"/>
-              <a:t>Python</a:t>
-            </a:r>
-            <a:r>
-              <a:rPr lang="zh-CN" altLang="en-US" dirty="0"/>
-              <a:t>比较方便的软件：</a:t>
-            </a:r>
-            <a:r>
-              <a:rPr lang="en-US" altLang="zh-CN" dirty="0"/>
-              <a:t>Anaconda</a:t>
-            </a:r>
-          </a:p>
-          <a:p>
-            <a:endParaRPr lang="en-US" altLang="zh-CN" dirty="0"/>
-          </a:p>
-        </p:txBody>
-      </p:sp>
-    </p:spTree>
-    <p:extLst>
-      <p:ext uri="{BB962C8B-B14F-4D97-AF65-F5344CB8AC3E}">
-        <p14:creationId xmlns:p14="http://schemas.microsoft.com/office/powerpoint/2010/main" val="3294942844"/>
-      </p:ext>
-    </p:extLst>
-  </p:cSld>
-  <p:clrMapOvr>
-    <a:masterClrMapping/>
-  </p:clrMapOvr>
-</p:sld>
-</file>
-
 <file path=ppt/slides/slide18.xml><?xml version="1.0" encoding="utf-8"?>
 <p:sld xmlns:a="http://schemas.openxmlformats.org/drawingml/2006/main" xmlns:r="http://schemas.openxmlformats.org/officeDocument/2006/relationships" xmlns:p="http://schemas.openxmlformats.org/presentationml/2006/main">
   <p:cSld>
@@ -5182,10 +5052,10 @@
       </p:grpSpPr>
       <p:sp>
         <p:nvSpPr>
-          <p:cNvPr id="4" name="文本占位符 3">
+          <p:cNvPr id="2" name="标题 1">
             <a:extLst>
               <a:ext uri="{FF2B5EF4-FFF2-40B4-BE49-F238E27FC236}">
-                <a16:creationId xmlns:a16="http://schemas.microsoft.com/office/drawing/2014/main" id="{7B4EFE17-8D3E-40AA-9CA2-C3DBF8638648}"/>
+                <a16:creationId xmlns:a16="http://schemas.microsoft.com/office/drawing/2014/main" id="{DD3DE4A3-9AE8-4015-B6A3-D6A5FDA2A18E}"/>
               </a:ext>
             </a:extLst>
           </p:cNvPr>
@@ -5193,7 +5063,7 @@
             <a:spLocks noGrp="1"/>
           </p:cNvSpPr>
           <p:nvPr>
-            <p:ph type="body" idx="1"/>
+            <p:ph type="title"/>
           </p:nvPr>
         </p:nvSpPr>
         <p:spPr/>
@@ -5203,7 +5073,7 @@
           <a:p>
             <a:r>
               <a:rPr lang="zh-CN" altLang="en-US" dirty="0"/>
-              <a:t>机械</a:t>
+              <a:t>推荐可以准备的一些</a:t>
             </a:r>
           </a:p>
         </p:txBody>
@@ -5221,7 +5091,7 @@
             <a:spLocks noGrp="1"/>
           </p:cNvSpPr>
           <p:nvPr>
-            <p:ph sz="half" idx="2"/>
+            <p:ph idx="1"/>
           </p:nvPr>
         </p:nvSpPr>
         <p:spPr/>
@@ -5231,161 +5101,93 @@
           <a:p>
             <a:r>
               <a:rPr lang="zh-CN" altLang="en-US" dirty="0"/>
-              <a:t>动手机会相对更多？</a:t>
+              <a:t>学会一门语言：</a:t>
+            </a:r>
+            <a:r>
+              <a:rPr lang="en-US" altLang="zh-CN" dirty="0"/>
+              <a:t>C++</a:t>
+            </a:r>
+            <a:r>
+              <a:rPr lang="zh-CN" altLang="en-US" dirty="0"/>
+              <a:t>或</a:t>
+            </a:r>
+            <a:r>
+              <a:rPr lang="en-US" altLang="zh-CN" dirty="0"/>
+              <a:t>Python</a:t>
+            </a:r>
+            <a:r>
+              <a:rPr lang="zh-CN" altLang="en-US" dirty="0"/>
+              <a:t>（推荐</a:t>
+            </a:r>
+            <a:r>
+              <a:rPr lang="en-US" altLang="zh-CN" dirty="0"/>
+              <a:t>Python</a:t>
+            </a:r>
+            <a:r>
+              <a:rPr lang="zh-CN" altLang="en-US" dirty="0"/>
+              <a:t>）</a:t>
             </a:r>
             <a:endParaRPr lang="en-US" altLang="zh-CN" dirty="0"/>
           </a:p>
           <a:p>
             <a:r>
               <a:rPr lang="zh-CN" altLang="en-US" dirty="0"/>
-              <a:t>学习压力相对较小（？）</a:t>
+              <a:t>了解一些基本的算法：如冒泡排序、快速排序、深度优先搜索等</a:t>
             </a:r>
             <a:endParaRPr lang="en-US" altLang="zh-CN" dirty="0"/>
           </a:p>
           <a:p>
             <a:r>
               <a:rPr lang="zh-CN" altLang="en-US" dirty="0"/>
-              <a:t>与老师交流机会更多</a:t>
+              <a:t>试着做一些小项目，推荐如下（可以了解一下</a:t>
+            </a:r>
+            <a:r>
+              <a:rPr lang="en-US" altLang="zh-CN" dirty="0"/>
+              <a:t>Python</a:t>
+            </a:r>
+            <a:r>
+              <a:rPr lang="zh-CN" altLang="en-US" dirty="0"/>
+              <a:t>中的</a:t>
+            </a:r>
+            <a:r>
+              <a:rPr lang="en-US" altLang="zh-CN" dirty="0" err="1"/>
+              <a:t>Pygame</a:t>
+            </a:r>
+            <a:r>
+              <a:rPr lang="zh-CN" altLang="en-US" dirty="0"/>
+              <a:t>库，能够比较方便的做出带界面的程序）</a:t>
             </a:r>
             <a:endParaRPr lang="en-US" altLang="zh-CN" dirty="0"/>
           </a:p>
           <a:p>
-            <a:r>
-              <a:rPr lang="zh-CN" altLang="en-US" dirty="0"/>
-              <a:t>宿舍楼离教学区更近</a:t>
+            <a:pPr lvl="1"/>
+            <a:r>
+              <a:rPr lang="zh-CN" altLang="en-US" dirty="0"/>
+              <a:t>五子棋</a:t>
             </a:r>
             <a:endParaRPr lang="en-US" altLang="zh-CN" dirty="0"/>
           </a:p>
           <a:p>
-            <a:r>
-              <a:rPr lang="zh-CN" altLang="en-US" dirty="0"/>
-              <a:t>偏向动手</a:t>
+            <a:pPr lvl="1"/>
+            <a:r>
+              <a:rPr lang="zh-CN" altLang="en-US" dirty="0"/>
+              <a:t>俄罗斯方块</a:t>
             </a:r>
             <a:endParaRPr lang="en-US" altLang="zh-CN" dirty="0"/>
           </a:p>
-        </p:txBody>
-      </p:sp>
-      <p:sp>
-        <p:nvSpPr>
-          <p:cNvPr id="5" name="内容占位符 4">
-            <a:extLst>
-              <a:ext uri="{FF2B5EF4-FFF2-40B4-BE49-F238E27FC236}">
-                <a16:creationId xmlns:a16="http://schemas.microsoft.com/office/drawing/2014/main" id="{1EB0E02D-2EF7-4864-B02C-E85744A99DFD}"/>
-              </a:ext>
-            </a:extLst>
-          </p:cNvPr>
-          <p:cNvSpPr>
-            <a:spLocks noGrp="1"/>
-          </p:cNvSpPr>
-          <p:nvPr>
-            <p:ph sz="quarter" idx="4"/>
-          </p:nvPr>
-        </p:nvSpPr>
-        <p:spPr/>
-        <p:txBody>
-          <a:bodyPr/>
-          <a:lstStyle/>
-          <a:p>
-            <a:r>
-              <a:rPr lang="zh-CN" altLang="en-US" dirty="0"/>
-              <a:t>内卷（？）氛围相对更浓</a:t>
+          <a:p>
+            <a:r>
+              <a:rPr lang="en-US" altLang="zh-CN" dirty="0" err="1"/>
+              <a:t>etc</a:t>
             </a:r>
             <a:endParaRPr lang="en-US" altLang="zh-CN" dirty="0"/>
-          </a:p>
-          <a:p>
-            <a:r>
-              <a:rPr lang="zh-CN" altLang="en-US" dirty="0"/>
-              <a:t>更适合自己</a:t>
-            </a:r>
-            <a:endParaRPr lang="en-US" altLang="zh-CN" dirty="0"/>
-          </a:p>
-          <a:p>
-            <a:r>
-              <a:rPr lang="zh-CN" altLang="en-US" dirty="0"/>
-              <a:t>合作项目机会较多</a:t>
-            </a:r>
-            <a:endParaRPr lang="en-US" altLang="zh-CN" dirty="0"/>
-          </a:p>
-          <a:p>
-            <a:r>
-              <a:rPr lang="zh-CN" altLang="en-US" dirty="0"/>
-              <a:t>有机会逃回四平</a:t>
-            </a:r>
-            <a:endParaRPr lang="en-US" altLang="zh-CN" dirty="0"/>
-          </a:p>
-          <a:p>
-            <a:r>
-              <a:rPr lang="zh-CN" altLang="en-US" dirty="0"/>
-              <a:t>偏向动</a:t>
-            </a:r>
-            <a:r>
-              <a:rPr lang="zh-CN" altLang="en-US"/>
-              <a:t>脑（？）</a:t>
-            </a:r>
-            <a:endParaRPr lang="zh-CN" altLang="en-US" dirty="0"/>
-          </a:p>
-        </p:txBody>
-      </p:sp>
-      <p:sp>
-        <p:nvSpPr>
-          <p:cNvPr id="6" name="文本占位符 5">
-            <a:extLst>
-              <a:ext uri="{FF2B5EF4-FFF2-40B4-BE49-F238E27FC236}">
-                <a16:creationId xmlns:a16="http://schemas.microsoft.com/office/drawing/2014/main" id="{62AB409C-9BE3-4AA3-9F89-49DD4EA995DC}"/>
-              </a:ext>
-            </a:extLst>
-          </p:cNvPr>
-          <p:cNvSpPr>
-            <a:spLocks noGrp="1"/>
-          </p:cNvSpPr>
-          <p:nvPr>
-            <p:ph type="body" sz="quarter" idx="13"/>
-          </p:nvPr>
-        </p:nvSpPr>
-        <p:spPr/>
-        <p:txBody>
-          <a:bodyPr/>
-          <a:lstStyle/>
-          <a:p>
-            <a:r>
-              <a:rPr lang="zh-CN" altLang="en-US" dirty="0"/>
-              <a:t>软件</a:t>
-            </a:r>
-          </a:p>
-        </p:txBody>
-      </p:sp>
-      <p:sp>
-        <p:nvSpPr>
-          <p:cNvPr id="2" name="标题 1">
-            <a:extLst>
-              <a:ext uri="{FF2B5EF4-FFF2-40B4-BE49-F238E27FC236}">
-                <a16:creationId xmlns:a16="http://schemas.microsoft.com/office/drawing/2014/main" id="{DD3DE4A3-9AE8-4015-B6A3-D6A5FDA2A18E}"/>
-              </a:ext>
-            </a:extLst>
-          </p:cNvPr>
-          <p:cNvSpPr>
-            <a:spLocks noGrp="1"/>
-          </p:cNvSpPr>
-          <p:nvPr>
-            <p:ph type="title"/>
-          </p:nvPr>
-        </p:nvSpPr>
-        <p:spPr/>
-        <p:txBody>
-          <a:bodyPr/>
-          <a:lstStyle/>
-          <a:p>
-            <a:r>
-              <a:rPr lang="zh-CN" altLang="en-US" dirty="0"/>
-              <a:t>个人体验</a:t>
-            </a:r>
           </a:p>
         </p:txBody>
       </p:sp>
     </p:spTree>
     <p:extLst>
       <p:ext uri="{BB962C8B-B14F-4D97-AF65-F5344CB8AC3E}">
-        <p14:creationId xmlns:p14="http://schemas.microsoft.com/office/powerpoint/2010/main" val="2331587918"/>
+        <p14:creationId xmlns:p14="http://schemas.microsoft.com/office/powerpoint/2010/main" val="3486472061"/>
       </p:ext>
     </p:extLst>
   </p:cSld>
@@ -5414,10 +5216,10 @@
       </p:grpSpPr>
       <p:sp>
         <p:nvSpPr>
-          <p:cNvPr id="4" name="标题 3">
+          <p:cNvPr id="2" name="标题 1">
             <a:extLst>
               <a:ext uri="{FF2B5EF4-FFF2-40B4-BE49-F238E27FC236}">
-                <a16:creationId xmlns:a16="http://schemas.microsoft.com/office/drawing/2014/main" id="{3D423D96-20E4-4270-9ACB-A7BDB85CEF04}"/>
+                <a16:creationId xmlns:a16="http://schemas.microsoft.com/office/drawing/2014/main" id="{DD3DE4A3-9AE8-4015-B6A3-D6A5FDA2A18E}"/>
               </a:ext>
             </a:extLst>
           </p:cNvPr>
@@ -5425,7 +5227,7 @@
             <a:spLocks noGrp="1"/>
           </p:cNvSpPr>
           <p:nvPr>
-            <p:ph type="ctrTitle"/>
+            <p:ph type="title"/>
           </p:nvPr>
         </p:nvSpPr>
         <p:spPr/>
@@ -5435,17 +5237,17 @@
           <a:p>
             <a:r>
               <a:rPr lang="zh-CN" altLang="en-US" dirty="0"/>
-              <a:t>感谢聆听！</a:t>
-            </a:r>
-          </a:p>
-        </p:txBody>
-      </p:sp>
-      <p:sp>
-        <p:nvSpPr>
-          <p:cNvPr id="5" name="副标题 4">
+              <a:t>推荐学习资料</a:t>
+            </a:r>
+          </a:p>
+        </p:txBody>
+      </p:sp>
+      <p:sp>
+        <p:nvSpPr>
+          <p:cNvPr id="3" name="内容占位符 2">
             <a:extLst>
               <a:ext uri="{FF2B5EF4-FFF2-40B4-BE49-F238E27FC236}">
-                <a16:creationId xmlns:a16="http://schemas.microsoft.com/office/drawing/2014/main" id="{B1B6501D-9C35-4A78-81CD-DF1397683F18}"/>
+                <a16:creationId xmlns:a16="http://schemas.microsoft.com/office/drawing/2014/main" id="{B2183D6C-8DAC-4410-BE5A-2B6014A2D851}"/>
               </a:ext>
             </a:extLst>
           </p:cNvPr>
@@ -5453,7 +5255,7 @@
             <a:spLocks noGrp="1"/>
           </p:cNvSpPr>
           <p:nvPr>
-            <p:ph type="subTitle" idx="1"/>
+            <p:ph idx="1"/>
           </p:nvPr>
         </p:nvSpPr>
         <p:spPr/>
@@ -5461,62 +5263,136 @@
           <a:bodyPr/>
           <a:lstStyle/>
           <a:p>
-            <a:pPr algn="r"/>
-            <a:r>
-              <a:rPr lang="zh-CN" altLang="en-US" dirty="0"/>
-              <a:t>某学习群见！</a:t>
-            </a:r>
-          </a:p>
-        </p:txBody>
-      </p:sp>
-      <p:sp>
-        <p:nvSpPr>
-          <p:cNvPr id="6" name="文本框 5">
-            <a:extLst>
-              <a:ext uri="{FF2B5EF4-FFF2-40B4-BE49-F238E27FC236}">
-                <a16:creationId xmlns:a16="http://schemas.microsoft.com/office/drawing/2014/main" id="{A9816D07-76ED-4790-BD0F-DE47A85E4475}"/>
-              </a:ext>
-            </a:extLst>
-          </p:cNvPr>
-          <p:cNvSpPr txBox="1"/>
-          <p:nvPr/>
-        </p:nvSpPr>
-        <p:spPr>
-          <a:xfrm>
-            <a:off x="2248536" y="6303146"/>
-            <a:ext cx="7694927" cy="369332"/>
-          </a:xfrm>
-          <a:prstGeom prst="rect">
-            <a:avLst/>
-          </a:prstGeom>
-          <a:noFill/>
-        </p:spPr>
-        <p:txBody>
-          <a:bodyPr wrap="none" rtlCol="0">
-            <a:spAutoFit/>
-          </a:bodyPr>
-          <a:lstStyle/>
-          <a:p>
+            <a:r>
+              <a:rPr lang="zh-CN" altLang="en-US" dirty="0"/>
+              <a:t>编程语言：</a:t>
+            </a:r>
+            <a:endParaRPr lang="en-US" altLang="zh-CN" dirty="0"/>
+          </a:p>
+          <a:p>
+            <a:pPr lvl="1"/>
             <a:r>
               <a:rPr lang="en-US" altLang="zh-CN" dirty="0"/>
-              <a:t>PPT</a:t>
-            </a:r>
-            <a:r>
-              <a:rPr lang="zh-CN" altLang="en-US" dirty="0"/>
-              <a:t>及代码获取地址：</a:t>
+              <a:t>C++</a:t>
+            </a:r>
+            <a:r>
+              <a:rPr lang="zh-CN" altLang="en-US" dirty="0"/>
+              <a:t>入门：</a:t>
             </a:r>
             <a:r>
               <a:rPr lang="en-US" altLang="zh-CN" dirty="0"/>
-              <a:t>https://github.com/wangwangwang23333/PPT-Collections</a:t>
-            </a:r>
-            <a:endParaRPr lang="zh-CN" altLang="en-US" dirty="0"/>
+              <a:t>《</a:t>
+            </a:r>
+            <a:r>
+              <a:rPr lang="zh-CN" altLang="en-US" dirty="0"/>
+              <a:t>啊哈</a:t>
+            </a:r>
+            <a:r>
+              <a:rPr lang="en-US" altLang="zh-CN" dirty="0"/>
+              <a:t>C》</a:t>
+            </a:r>
+          </a:p>
+          <a:p>
+            <a:pPr lvl="1"/>
+            <a:r>
+              <a:rPr lang="zh-CN" altLang="en-US" dirty="0"/>
+              <a:t>算法入门：</a:t>
+            </a:r>
+            <a:r>
+              <a:rPr lang="en-US" altLang="zh-CN" dirty="0"/>
+              <a:t>《</a:t>
+            </a:r>
+            <a:r>
+              <a:rPr lang="zh-CN" altLang="en-US" dirty="0"/>
+              <a:t>啊哈算法</a:t>
+            </a:r>
+            <a:r>
+              <a:rPr lang="en-US" altLang="zh-CN" dirty="0"/>
+              <a:t>》</a:t>
+            </a:r>
+          </a:p>
+          <a:p>
+            <a:pPr lvl="1"/>
+            <a:r>
+              <a:rPr lang="en-US" altLang="zh-CN" dirty="0"/>
+              <a:t>C++</a:t>
+            </a:r>
+            <a:r>
+              <a:rPr lang="zh-CN" altLang="en-US" dirty="0"/>
+              <a:t>深入：</a:t>
+            </a:r>
+            <a:r>
+              <a:rPr lang="en-US" altLang="zh-CN" dirty="0"/>
+              <a:t>MOOC</a:t>
+            </a:r>
+            <a:r>
+              <a:rPr lang="zh-CN" altLang="en-US" dirty="0"/>
+              <a:t>郭炜视频、</a:t>
+            </a:r>
+            <a:r>
+              <a:rPr lang="en-US" altLang="zh-CN" dirty="0"/>
+              <a:t>《C Primer Plus》</a:t>
+            </a:r>
+          </a:p>
+          <a:p>
+            <a:pPr lvl="1"/>
+            <a:r>
+              <a:rPr lang="en-US" altLang="zh-CN" dirty="0"/>
+              <a:t>Python</a:t>
+            </a:r>
+            <a:r>
+              <a:rPr lang="zh-CN" altLang="en-US" dirty="0"/>
+              <a:t>：</a:t>
+            </a:r>
+            <a:r>
+              <a:rPr lang="en-US" altLang="zh-CN" dirty="0"/>
+              <a:t>MOOC </a:t>
+            </a:r>
+            <a:r>
+              <a:rPr lang="zh-CN" altLang="en-US" dirty="0"/>
+              <a:t>北京理工大学系列视频</a:t>
+            </a:r>
+            <a:endParaRPr lang="en-US" altLang="zh-CN" dirty="0"/>
+          </a:p>
+          <a:p>
+            <a:r>
+              <a:rPr lang="zh-CN" altLang="en-US" dirty="0"/>
+              <a:t>在线</a:t>
+            </a:r>
+            <a:r>
+              <a:rPr lang="en-US" altLang="zh-CN" dirty="0"/>
+              <a:t>OJ</a:t>
+            </a:r>
+            <a:r>
+              <a:rPr lang="zh-CN" altLang="en-US" dirty="0"/>
+              <a:t>平台：</a:t>
+            </a:r>
+            <a:r>
+              <a:rPr lang="en-US" altLang="zh-CN" dirty="0"/>
+              <a:t>PAT</a:t>
+            </a:r>
+            <a:r>
+              <a:rPr lang="zh-CN" altLang="en-US" dirty="0"/>
+              <a:t>乙级（适合编程入门）</a:t>
+            </a:r>
+            <a:endParaRPr lang="en-US" altLang="zh-CN" dirty="0"/>
+          </a:p>
+          <a:p>
+            <a:r>
+              <a:rPr lang="zh-CN" altLang="en-US" dirty="0"/>
+              <a:t>某学习群，可以随时问一些问题</a:t>
+            </a:r>
+            <a:endParaRPr lang="en-US" altLang="zh-CN" dirty="0"/>
+          </a:p>
+          <a:p>
+            <a:endParaRPr lang="en-US" altLang="zh-CN" dirty="0"/>
           </a:p>
         </p:txBody>
       </p:sp>
     </p:spTree>
     <p:extLst>
       <p:ext uri="{BB962C8B-B14F-4D97-AF65-F5344CB8AC3E}">
-        <p14:creationId xmlns:p14="http://schemas.microsoft.com/office/powerpoint/2010/main" val="4198221247"/>
+        <p14:creationId xmlns:p14="http://schemas.microsoft.com/office/powerpoint/2010/main" val="8085295"/>
       </p:ext>
     </p:extLst>
   </p:cSld>
@@ -5548,7 +5424,7 @@
           <p:cNvPr id="2" name="标题 1">
             <a:extLst>
               <a:ext uri="{FF2B5EF4-FFF2-40B4-BE49-F238E27FC236}">
-                <a16:creationId xmlns:a16="http://schemas.microsoft.com/office/drawing/2014/main" id="{0266ED0C-D15C-48B9-8F4E-BCDE3BC66363}"/>
+                <a16:creationId xmlns:a16="http://schemas.microsoft.com/office/drawing/2014/main" id="{73435A19-1DB8-4A71-8B84-4B978EA50781}"/>
               </a:ext>
             </a:extLst>
           </p:cNvPr>
@@ -5566,7 +5442,7 @@
           <a:p>
             <a:r>
               <a:rPr lang="zh-CN" altLang="en-US" dirty="0"/>
-              <a:t>转专业要求</a:t>
+              <a:t>我为啥转专业？</a:t>
             </a:r>
           </a:p>
         </p:txBody>
@@ -5576,7 +5452,7 @@
           <p:cNvPr id="3" name="内容占位符 2">
             <a:extLst>
               <a:ext uri="{FF2B5EF4-FFF2-40B4-BE49-F238E27FC236}">
-                <a16:creationId xmlns:a16="http://schemas.microsoft.com/office/drawing/2014/main" id="{16A38B96-F81A-4A6A-AFBA-F9AB35AEEE41}"/>
+                <a16:creationId xmlns:a16="http://schemas.microsoft.com/office/drawing/2014/main" id="{A3F1F993-1154-4AF3-A15F-3A3A8708E677}"/>
               </a:ext>
             </a:extLst>
           </p:cNvPr>
@@ -5595,80 +5471,758 @@
           <a:lstStyle/>
           <a:p>
             <a:r>
-              <a:rPr lang="en-US" altLang="zh-CN" sz="2000" dirty="0"/>
-              <a:t>1</a:t>
-            </a:r>
-            <a:r>
-              <a:rPr lang="zh-CN" altLang="en-US" sz="2000" dirty="0"/>
-              <a:t>．按照高考成绩、考核成绩两种报名方式，根据报名学生成绩绩点从高到低分别排序；</a:t>
-            </a:r>
-          </a:p>
-          <a:p>
-            <a:r>
-              <a:rPr lang="en-US" altLang="zh-CN" sz="2000" dirty="0"/>
-              <a:t>2</a:t>
-            </a:r>
-            <a:r>
-              <a:rPr lang="zh-CN" altLang="en-US" sz="2000" dirty="0"/>
-              <a:t>．按照高考成绩方式，按照</a:t>
-            </a:r>
-            <a:r>
-              <a:rPr lang="en-US" altLang="zh-CN" sz="2000" dirty="0"/>
-              <a:t>1:1.2</a:t>
-            </a:r>
-            <a:r>
-              <a:rPr lang="zh-CN" altLang="en-US" sz="2000" dirty="0"/>
-              <a:t>比例邀请面试，本次邀请面试学生数</a:t>
-            </a:r>
-            <a:r>
-              <a:rPr lang="en-US" altLang="zh-CN" sz="2000" dirty="0"/>
-              <a:t>13</a:t>
-            </a:r>
-            <a:r>
-              <a:rPr lang="zh-CN" altLang="en-US" sz="2000" dirty="0"/>
-              <a:t>人（详细名单见附件）；</a:t>
-            </a:r>
-          </a:p>
-          <a:p>
-            <a:r>
-              <a:rPr lang="en-US" altLang="zh-CN" sz="2000" dirty="0"/>
-              <a:t>3</a:t>
-            </a:r>
-            <a:r>
-              <a:rPr lang="zh-CN" altLang="en-US" sz="2000" dirty="0"/>
-              <a:t>．按照考核成绩方式，考虑到</a:t>
-            </a:r>
-            <a:r>
-              <a:rPr lang="en-US" altLang="zh-CN" sz="2000" dirty="0"/>
-              <a:t>2018</a:t>
-            </a:r>
-            <a:r>
-              <a:rPr lang="zh-CN" altLang="en-US" sz="2000" dirty="0"/>
-              <a:t>级转专业报名学生人数及成绩总体情况，以及近两年转专业学生放弃面试和预录取学生放弃确认情况，邀请绩点</a:t>
-            </a:r>
-            <a:r>
-              <a:rPr lang="en-US" altLang="zh-CN" sz="2000" dirty="0"/>
-              <a:t>4.25</a:t>
-            </a:r>
-            <a:r>
-              <a:rPr lang="zh-CN" altLang="en-US" sz="2000" dirty="0"/>
-              <a:t>（含）以上学生参加面试，本次邀请面试学生数</a:t>
-            </a:r>
-            <a:r>
-              <a:rPr lang="en-US" altLang="zh-CN" sz="2000" dirty="0"/>
-              <a:t>61</a:t>
-            </a:r>
-            <a:r>
-              <a:rPr lang="zh-CN" altLang="en-US" sz="2000" dirty="0"/>
-              <a:t>人（详细名单见附件）；</a:t>
-            </a:r>
+              <a:rPr lang="zh-CN" altLang="en-US" sz="3200" dirty="0"/>
+              <a:t>机械制图太难了</a:t>
+            </a:r>
+            <a:endParaRPr lang="en-US" altLang="zh-CN" sz="3200" dirty="0"/>
+          </a:p>
+          <a:p>
+            <a:r>
+              <a:rPr lang="zh-CN" altLang="en-US" sz="3200" dirty="0"/>
+              <a:t>最开始就想学软件</a:t>
+            </a:r>
+            <a:endParaRPr lang="en-US" altLang="zh-CN" sz="3200" dirty="0"/>
+          </a:p>
+          <a:p>
+            <a:r>
+              <a:rPr lang="zh-CN" altLang="en-US" sz="3200" dirty="0"/>
+              <a:t>不喜欢机械的课程</a:t>
+            </a:r>
+            <a:endParaRPr lang="en-US" altLang="zh-CN" sz="3200" dirty="0"/>
+          </a:p>
+          <a:p>
+            <a:r>
+              <a:rPr lang="zh-CN" altLang="en-US" sz="3200" dirty="0"/>
+              <a:t>动手能力相对比较差</a:t>
+            </a:r>
+            <a:endParaRPr lang="en-US" altLang="zh-CN" sz="3200" dirty="0"/>
           </a:p>
         </p:txBody>
       </p:sp>
     </p:spTree>
     <p:extLst>
       <p:ext uri="{BB962C8B-B14F-4D97-AF65-F5344CB8AC3E}">
-        <p14:creationId xmlns:p14="http://schemas.microsoft.com/office/powerpoint/2010/main" val="3531604841"/>
+        <p14:creationId xmlns:p14="http://schemas.microsoft.com/office/powerpoint/2010/main" val="3384597454"/>
+      </p:ext>
+    </p:extLst>
+  </p:cSld>
+  <p:clrMapOvr>
+    <a:masterClrMapping/>
+  </p:clrMapOvr>
+</p:sld>
+</file>
+
+<file path=ppt/slides/slide20.xml><?xml version="1.0" encoding="utf-8"?>
+<p:sld xmlns:a="http://schemas.openxmlformats.org/drawingml/2006/main" xmlns:r="http://schemas.openxmlformats.org/officeDocument/2006/relationships" xmlns:p="http://schemas.openxmlformats.org/presentationml/2006/main">
+  <p:cSld>
+    <p:spTree>
+      <p:nvGrpSpPr>
+        <p:cNvPr id="1" name=""/>
+        <p:cNvGrpSpPr/>
+        <p:nvPr/>
+      </p:nvGrpSpPr>
+      <p:grpSpPr>
+        <a:xfrm>
+          <a:off x="0" y="0"/>
+          <a:ext cx="0" cy="0"/>
+          <a:chOff x="0" y="0"/>
+          <a:chExt cx="0" cy="0"/>
+        </a:xfrm>
+      </p:grpSpPr>
+      <p:sp>
+        <p:nvSpPr>
+          <p:cNvPr id="2" name="标题 1">
+            <a:extLst>
+              <a:ext uri="{FF2B5EF4-FFF2-40B4-BE49-F238E27FC236}">
+                <a16:creationId xmlns:a16="http://schemas.microsoft.com/office/drawing/2014/main" id="{DD3DE4A3-9AE8-4015-B6A3-D6A5FDA2A18E}"/>
+              </a:ext>
+            </a:extLst>
+          </p:cNvPr>
+          <p:cNvSpPr>
+            <a:spLocks noGrp="1"/>
+          </p:cNvSpPr>
+          <p:nvPr>
+            <p:ph type="title"/>
+          </p:nvPr>
+        </p:nvSpPr>
+        <p:spPr/>
+        <p:txBody>
+          <a:bodyPr/>
+          <a:lstStyle/>
+          <a:p>
+            <a:r>
+              <a:rPr lang="zh-CN" altLang="en-US" dirty="0"/>
+              <a:t>推荐软件</a:t>
+            </a:r>
+          </a:p>
+        </p:txBody>
+      </p:sp>
+      <p:sp>
+        <p:nvSpPr>
+          <p:cNvPr id="3" name="内容占位符 2">
+            <a:extLst>
+              <a:ext uri="{FF2B5EF4-FFF2-40B4-BE49-F238E27FC236}">
+                <a16:creationId xmlns:a16="http://schemas.microsoft.com/office/drawing/2014/main" id="{B2183D6C-8DAC-4410-BE5A-2B6014A2D851}"/>
+              </a:ext>
+            </a:extLst>
+          </p:cNvPr>
+          <p:cNvSpPr>
+            <a:spLocks noGrp="1"/>
+          </p:cNvSpPr>
+          <p:nvPr>
+            <p:ph idx="1"/>
+          </p:nvPr>
+        </p:nvSpPr>
+        <p:spPr/>
+        <p:txBody>
+          <a:bodyPr/>
+          <a:lstStyle/>
+          <a:p>
+            <a:r>
+              <a:rPr lang="zh-CN" altLang="en-US" dirty="0"/>
+              <a:t>永远的神：</a:t>
+            </a:r>
+            <a:r>
+              <a:rPr lang="en-US" altLang="zh-CN" dirty="0"/>
+              <a:t>Visual Studio2019</a:t>
+            </a:r>
+          </a:p>
+          <a:p>
+            <a:r>
+              <a:rPr lang="en-US" altLang="zh-CN" dirty="0" err="1"/>
+              <a:t>Github</a:t>
+            </a:r>
+            <a:r>
+              <a:rPr lang="zh-CN" altLang="en-US" dirty="0"/>
+              <a:t>比较方便的管理软件：</a:t>
+            </a:r>
+            <a:r>
+              <a:rPr lang="en-US" altLang="zh-CN" dirty="0"/>
+              <a:t>Git Bash</a:t>
+            </a:r>
+          </a:p>
+          <a:p>
+            <a:r>
+              <a:rPr lang="zh-CN" altLang="en-US" dirty="0"/>
+              <a:t>轻量级编辑器：</a:t>
+            </a:r>
+            <a:r>
+              <a:rPr lang="en-US" altLang="zh-CN" dirty="0" err="1"/>
+              <a:t>Vscode</a:t>
+            </a:r>
+            <a:endParaRPr lang="en-US" altLang="zh-CN" dirty="0"/>
+          </a:p>
+          <a:p>
+            <a:r>
+              <a:rPr lang="en-US" altLang="zh-CN" dirty="0"/>
+              <a:t>Python</a:t>
+            </a:r>
+            <a:r>
+              <a:rPr lang="zh-CN" altLang="en-US" dirty="0"/>
+              <a:t>比较方便的软件：</a:t>
+            </a:r>
+            <a:r>
+              <a:rPr lang="en-US" altLang="zh-CN" dirty="0"/>
+              <a:t>Anaconda</a:t>
+            </a:r>
+          </a:p>
+          <a:p>
+            <a:endParaRPr lang="en-US" altLang="zh-CN" dirty="0"/>
+          </a:p>
+        </p:txBody>
+      </p:sp>
+    </p:spTree>
+    <p:extLst>
+      <p:ext uri="{BB962C8B-B14F-4D97-AF65-F5344CB8AC3E}">
+        <p14:creationId xmlns:p14="http://schemas.microsoft.com/office/powerpoint/2010/main" val="3294942844"/>
+      </p:ext>
+    </p:extLst>
+  </p:cSld>
+  <p:clrMapOvr>
+    <a:masterClrMapping/>
+  </p:clrMapOvr>
+</p:sld>
+</file>
+
+<file path=ppt/slides/slide21.xml><?xml version="1.0" encoding="utf-8"?>
+<p:sld xmlns:a="http://schemas.openxmlformats.org/drawingml/2006/main" xmlns:r="http://schemas.openxmlformats.org/officeDocument/2006/relationships" xmlns:p="http://schemas.openxmlformats.org/presentationml/2006/main">
+  <p:cSld>
+    <p:spTree>
+      <p:nvGrpSpPr>
+        <p:cNvPr id="1" name=""/>
+        <p:cNvGrpSpPr/>
+        <p:nvPr/>
+      </p:nvGrpSpPr>
+      <p:grpSpPr>
+        <a:xfrm>
+          <a:off x="0" y="0"/>
+          <a:ext cx="0" cy="0"/>
+          <a:chOff x="0" y="0"/>
+          <a:chExt cx="0" cy="0"/>
+        </a:xfrm>
+      </p:grpSpPr>
+      <p:sp>
+        <p:nvSpPr>
+          <p:cNvPr id="4" name="文本占位符 3">
+            <a:extLst>
+              <a:ext uri="{FF2B5EF4-FFF2-40B4-BE49-F238E27FC236}">
+                <a16:creationId xmlns:a16="http://schemas.microsoft.com/office/drawing/2014/main" id="{7B4EFE17-8D3E-40AA-9CA2-C3DBF8638648}"/>
+              </a:ext>
+            </a:extLst>
+          </p:cNvPr>
+          <p:cNvSpPr>
+            <a:spLocks noGrp="1"/>
+          </p:cNvSpPr>
+          <p:nvPr>
+            <p:ph type="body" idx="1"/>
+          </p:nvPr>
+        </p:nvSpPr>
+        <p:spPr/>
+        <p:txBody>
+          <a:bodyPr/>
+          <a:lstStyle/>
+          <a:p>
+            <a:r>
+              <a:rPr lang="zh-CN" altLang="en-US" dirty="0"/>
+              <a:t>机械</a:t>
+            </a:r>
+          </a:p>
+        </p:txBody>
+      </p:sp>
+      <p:sp>
+        <p:nvSpPr>
+          <p:cNvPr id="3" name="内容占位符 2">
+            <a:extLst>
+              <a:ext uri="{FF2B5EF4-FFF2-40B4-BE49-F238E27FC236}">
+                <a16:creationId xmlns:a16="http://schemas.microsoft.com/office/drawing/2014/main" id="{B2183D6C-8DAC-4410-BE5A-2B6014A2D851}"/>
+              </a:ext>
+            </a:extLst>
+          </p:cNvPr>
+          <p:cNvSpPr>
+            <a:spLocks noGrp="1"/>
+          </p:cNvSpPr>
+          <p:nvPr>
+            <p:ph sz="half" idx="2"/>
+          </p:nvPr>
+        </p:nvSpPr>
+        <p:spPr/>
+        <p:txBody>
+          <a:bodyPr/>
+          <a:lstStyle/>
+          <a:p>
+            <a:r>
+              <a:rPr lang="zh-CN" altLang="en-US" dirty="0"/>
+              <a:t>动手机会相对更多？</a:t>
+            </a:r>
+            <a:endParaRPr lang="en-US" altLang="zh-CN" dirty="0"/>
+          </a:p>
+          <a:p>
+            <a:r>
+              <a:rPr lang="zh-CN" altLang="en-US" dirty="0"/>
+              <a:t>学习压力相对较小（？）</a:t>
+            </a:r>
+            <a:endParaRPr lang="en-US" altLang="zh-CN" dirty="0"/>
+          </a:p>
+          <a:p>
+            <a:r>
+              <a:rPr lang="zh-CN" altLang="en-US" dirty="0"/>
+              <a:t>与老师交流机会更多</a:t>
+            </a:r>
+            <a:endParaRPr lang="en-US" altLang="zh-CN" dirty="0"/>
+          </a:p>
+          <a:p>
+            <a:r>
+              <a:rPr lang="zh-CN" altLang="en-US" dirty="0"/>
+              <a:t>宿舍楼离教学区更近</a:t>
+            </a:r>
+            <a:endParaRPr lang="en-US" altLang="zh-CN" dirty="0"/>
+          </a:p>
+          <a:p>
+            <a:r>
+              <a:rPr lang="zh-CN" altLang="en-US" dirty="0"/>
+              <a:t>偏向动手</a:t>
+            </a:r>
+            <a:endParaRPr lang="en-US" altLang="zh-CN" dirty="0"/>
+          </a:p>
+        </p:txBody>
+      </p:sp>
+      <p:sp>
+        <p:nvSpPr>
+          <p:cNvPr id="5" name="内容占位符 4">
+            <a:extLst>
+              <a:ext uri="{FF2B5EF4-FFF2-40B4-BE49-F238E27FC236}">
+                <a16:creationId xmlns:a16="http://schemas.microsoft.com/office/drawing/2014/main" id="{1EB0E02D-2EF7-4864-B02C-E85744A99DFD}"/>
+              </a:ext>
+            </a:extLst>
+          </p:cNvPr>
+          <p:cNvSpPr>
+            <a:spLocks noGrp="1"/>
+          </p:cNvSpPr>
+          <p:nvPr>
+            <p:ph sz="quarter" idx="4"/>
+          </p:nvPr>
+        </p:nvSpPr>
+        <p:spPr/>
+        <p:txBody>
+          <a:bodyPr/>
+          <a:lstStyle/>
+          <a:p>
+            <a:r>
+              <a:rPr lang="zh-CN" altLang="en-US" dirty="0"/>
+              <a:t>内卷（？）氛围相对更浓</a:t>
+            </a:r>
+            <a:endParaRPr lang="en-US" altLang="zh-CN" dirty="0"/>
+          </a:p>
+          <a:p>
+            <a:r>
+              <a:rPr lang="zh-CN" altLang="en-US" dirty="0"/>
+              <a:t>更适合自己</a:t>
+            </a:r>
+            <a:endParaRPr lang="en-US" altLang="zh-CN" dirty="0"/>
+          </a:p>
+          <a:p>
+            <a:r>
+              <a:rPr lang="zh-CN" altLang="en-US" dirty="0"/>
+              <a:t>合作项目机会较多</a:t>
+            </a:r>
+            <a:endParaRPr lang="en-US" altLang="zh-CN" dirty="0"/>
+          </a:p>
+          <a:p>
+            <a:r>
+              <a:rPr lang="zh-CN" altLang="en-US" dirty="0"/>
+              <a:t>有机会逃回四平</a:t>
+            </a:r>
+            <a:endParaRPr lang="en-US" altLang="zh-CN" dirty="0"/>
+          </a:p>
+          <a:p>
+            <a:r>
+              <a:rPr lang="zh-CN" altLang="en-US" dirty="0"/>
+              <a:t>偏向动</a:t>
+            </a:r>
+            <a:r>
+              <a:rPr lang="zh-CN" altLang="en-US"/>
+              <a:t>脑（？）</a:t>
+            </a:r>
+            <a:endParaRPr lang="zh-CN" altLang="en-US" dirty="0"/>
+          </a:p>
+        </p:txBody>
+      </p:sp>
+      <p:sp>
+        <p:nvSpPr>
+          <p:cNvPr id="6" name="文本占位符 5">
+            <a:extLst>
+              <a:ext uri="{FF2B5EF4-FFF2-40B4-BE49-F238E27FC236}">
+                <a16:creationId xmlns:a16="http://schemas.microsoft.com/office/drawing/2014/main" id="{62AB409C-9BE3-4AA3-9F89-49DD4EA995DC}"/>
+              </a:ext>
+            </a:extLst>
+          </p:cNvPr>
+          <p:cNvSpPr>
+            <a:spLocks noGrp="1"/>
+          </p:cNvSpPr>
+          <p:nvPr>
+            <p:ph type="body" sz="quarter" idx="13"/>
+          </p:nvPr>
+        </p:nvSpPr>
+        <p:spPr/>
+        <p:txBody>
+          <a:bodyPr/>
+          <a:lstStyle/>
+          <a:p>
+            <a:r>
+              <a:rPr lang="zh-CN" altLang="en-US" dirty="0"/>
+              <a:t>软件</a:t>
+            </a:r>
+          </a:p>
+        </p:txBody>
+      </p:sp>
+      <p:sp>
+        <p:nvSpPr>
+          <p:cNvPr id="2" name="标题 1">
+            <a:extLst>
+              <a:ext uri="{FF2B5EF4-FFF2-40B4-BE49-F238E27FC236}">
+                <a16:creationId xmlns:a16="http://schemas.microsoft.com/office/drawing/2014/main" id="{DD3DE4A3-9AE8-4015-B6A3-D6A5FDA2A18E}"/>
+              </a:ext>
+            </a:extLst>
+          </p:cNvPr>
+          <p:cNvSpPr>
+            <a:spLocks noGrp="1"/>
+          </p:cNvSpPr>
+          <p:nvPr>
+            <p:ph type="title"/>
+          </p:nvPr>
+        </p:nvSpPr>
+        <p:spPr/>
+        <p:txBody>
+          <a:bodyPr/>
+          <a:lstStyle/>
+          <a:p>
+            <a:r>
+              <a:rPr lang="zh-CN" altLang="en-US" dirty="0"/>
+              <a:t>个人体验</a:t>
+            </a:r>
+          </a:p>
+        </p:txBody>
+      </p:sp>
+    </p:spTree>
+    <p:extLst>
+      <p:ext uri="{BB962C8B-B14F-4D97-AF65-F5344CB8AC3E}">
+        <p14:creationId xmlns:p14="http://schemas.microsoft.com/office/powerpoint/2010/main" val="2331587918"/>
+      </p:ext>
+    </p:extLst>
+  </p:cSld>
+  <p:clrMapOvr>
+    <a:masterClrMapping/>
+  </p:clrMapOvr>
+</p:sld>
+</file>
+
+<file path=ppt/slides/slide22.xml><?xml version="1.0" encoding="utf-8"?>
+<p:sld xmlns:a="http://schemas.openxmlformats.org/drawingml/2006/main" xmlns:r="http://schemas.openxmlformats.org/officeDocument/2006/relationships" xmlns:p="http://schemas.openxmlformats.org/presentationml/2006/main">
+  <p:cSld>
+    <p:spTree>
+      <p:nvGrpSpPr>
+        <p:cNvPr id="1" name=""/>
+        <p:cNvGrpSpPr/>
+        <p:nvPr/>
+      </p:nvGrpSpPr>
+      <p:grpSpPr>
+        <a:xfrm>
+          <a:off x="0" y="0"/>
+          <a:ext cx="0" cy="0"/>
+          <a:chOff x="0" y="0"/>
+          <a:chExt cx="0" cy="0"/>
+        </a:xfrm>
+      </p:grpSpPr>
+      <p:sp>
+        <p:nvSpPr>
+          <p:cNvPr id="4" name="文本占位符 3">
+            <a:extLst>
+              <a:ext uri="{FF2B5EF4-FFF2-40B4-BE49-F238E27FC236}">
+                <a16:creationId xmlns:a16="http://schemas.microsoft.com/office/drawing/2014/main" id="{7B4EFE17-8D3E-40AA-9CA2-C3DBF8638648}"/>
+              </a:ext>
+            </a:extLst>
+          </p:cNvPr>
+          <p:cNvSpPr>
+            <a:spLocks noGrp="1"/>
+          </p:cNvSpPr>
+          <p:nvPr>
+            <p:ph type="body" idx="1"/>
+          </p:nvPr>
+        </p:nvSpPr>
+        <p:spPr/>
+        <p:txBody>
+          <a:bodyPr/>
+          <a:lstStyle/>
+          <a:p>
+            <a:r>
+              <a:rPr lang="zh-CN" altLang="en-US" dirty="0"/>
+              <a:t>降转</a:t>
+            </a:r>
+          </a:p>
+        </p:txBody>
+      </p:sp>
+      <p:sp>
+        <p:nvSpPr>
+          <p:cNvPr id="3" name="内容占位符 2">
+            <a:extLst>
+              <a:ext uri="{FF2B5EF4-FFF2-40B4-BE49-F238E27FC236}">
+                <a16:creationId xmlns:a16="http://schemas.microsoft.com/office/drawing/2014/main" id="{B2183D6C-8DAC-4410-BE5A-2B6014A2D851}"/>
+              </a:ext>
+            </a:extLst>
+          </p:cNvPr>
+          <p:cNvSpPr>
+            <a:spLocks noGrp="1"/>
+          </p:cNvSpPr>
+          <p:nvPr>
+            <p:ph sz="half" idx="2"/>
+          </p:nvPr>
+        </p:nvSpPr>
+        <p:spPr/>
+        <p:txBody>
+          <a:bodyPr/>
+          <a:lstStyle/>
+          <a:p>
+            <a:r>
+              <a:rPr lang="zh-CN" altLang="en-US" dirty="0"/>
+              <a:t>更多的不确定性？</a:t>
+            </a:r>
+            <a:endParaRPr lang="en-US" altLang="zh-CN" dirty="0"/>
+          </a:p>
+          <a:p>
+            <a:r>
+              <a:rPr lang="zh-CN" altLang="en-US" dirty="0"/>
+              <a:t>一年自学时光？</a:t>
+            </a:r>
+            <a:endParaRPr lang="en-US" altLang="zh-CN" dirty="0"/>
+          </a:p>
+          <a:p>
+            <a:r>
+              <a:rPr lang="zh-CN" altLang="en-US" dirty="0"/>
+              <a:t>四平时光</a:t>
+            </a:r>
+            <a:r>
+              <a:rPr lang="en-US" altLang="zh-CN" dirty="0"/>
+              <a:t>+1</a:t>
+            </a:r>
+          </a:p>
+          <a:p>
+            <a:r>
+              <a:rPr lang="zh-CN" altLang="en-US" dirty="0"/>
+              <a:t>认识更多小伙伴？</a:t>
+            </a:r>
+            <a:endParaRPr lang="en-US" altLang="zh-CN" dirty="0"/>
+          </a:p>
+          <a:p>
+            <a:r>
+              <a:rPr lang="zh-CN" altLang="en-US" dirty="0"/>
+              <a:t>比同龄人低一届</a:t>
+            </a:r>
+            <a:endParaRPr lang="en-US" altLang="zh-CN" dirty="0"/>
+          </a:p>
+          <a:p>
+            <a:r>
+              <a:rPr lang="en-US" altLang="zh-CN" dirty="0"/>
+              <a:t>……</a:t>
+            </a:r>
+          </a:p>
+        </p:txBody>
+      </p:sp>
+      <p:sp>
+        <p:nvSpPr>
+          <p:cNvPr id="5" name="内容占位符 4">
+            <a:extLst>
+              <a:ext uri="{FF2B5EF4-FFF2-40B4-BE49-F238E27FC236}">
+                <a16:creationId xmlns:a16="http://schemas.microsoft.com/office/drawing/2014/main" id="{1EB0E02D-2EF7-4864-B02C-E85744A99DFD}"/>
+              </a:ext>
+            </a:extLst>
+          </p:cNvPr>
+          <p:cNvSpPr>
+            <a:spLocks noGrp="1"/>
+          </p:cNvSpPr>
+          <p:nvPr>
+            <p:ph sz="quarter" idx="4"/>
+          </p:nvPr>
+        </p:nvSpPr>
+        <p:spPr/>
+        <p:txBody>
+          <a:bodyPr/>
+          <a:lstStyle/>
+          <a:p>
+            <a:r>
+              <a:rPr lang="zh-CN" altLang="en-US" dirty="0"/>
+              <a:t>压力相对比较大</a:t>
+            </a:r>
+            <a:endParaRPr lang="en-US" altLang="zh-CN" dirty="0"/>
+          </a:p>
+          <a:p>
+            <a:r>
+              <a:rPr lang="zh-CN" altLang="en-US" dirty="0"/>
+              <a:t>节省一年时间</a:t>
+            </a:r>
+            <a:endParaRPr lang="en-US" altLang="zh-CN" dirty="0"/>
+          </a:p>
+          <a:p>
+            <a:r>
+              <a:rPr lang="en-US" altLang="zh-CN" dirty="0"/>
+              <a:t>……</a:t>
+            </a:r>
+          </a:p>
+          <a:p>
+            <a:endParaRPr lang="zh-CN" altLang="en-US" dirty="0"/>
+          </a:p>
+        </p:txBody>
+      </p:sp>
+      <p:sp>
+        <p:nvSpPr>
+          <p:cNvPr id="6" name="文本占位符 5">
+            <a:extLst>
+              <a:ext uri="{FF2B5EF4-FFF2-40B4-BE49-F238E27FC236}">
+                <a16:creationId xmlns:a16="http://schemas.microsoft.com/office/drawing/2014/main" id="{62AB409C-9BE3-4AA3-9F89-49DD4EA995DC}"/>
+              </a:ext>
+            </a:extLst>
+          </p:cNvPr>
+          <p:cNvSpPr>
+            <a:spLocks noGrp="1"/>
+          </p:cNvSpPr>
+          <p:nvPr>
+            <p:ph type="body" sz="quarter" idx="13"/>
+          </p:nvPr>
+        </p:nvSpPr>
+        <p:spPr/>
+        <p:txBody>
+          <a:bodyPr/>
+          <a:lstStyle/>
+          <a:p>
+            <a:r>
+              <a:rPr lang="zh-CN" altLang="en-US" dirty="0"/>
+              <a:t>平转</a:t>
+            </a:r>
+          </a:p>
+        </p:txBody>
+      </p:sp>
+      <p:sp>
+        <p:nvSpPr>
+          <p:cNvPr id="2" name="标题 1">
+            <a:extLst>
+              <a:ext uri="{FF2B5EF4-FFF2-40B4-BE49-F238E27FC236}">
+                <a16:creationId xmlns:a16="http://schemas.microsoft.com/office/drawing/2014/main" id="{DD3DE4A3-9AE8-4015-B6A3-D6A5FDA2A18E}"/>
+              </a:ext>
+            </a:extLst>
+          </p:cNvPr>
+          <p:cNvSpPr>
+            <a:spLocks noGrp="1"/>
+          </p:cNvSpPr>
+          <p:nvPr>
+            <p:ph type="title"/>
+          </p:nvPr>
+        </p:nvSpPr>
+        <p:spPr/>
+        <p:txBody>
+          <a:bodyPr/>
+          <a:lstStyle/>
+          <a:p>
+            <a:r>
+              <a:rPr lang="zh-CN" altLang="en-US" dirty="0"/>
+              <a:t>个人体验</a:t>
+            </a:r>
+          </a:p>
+        </p:txBody>
+      </p:sp>
+    </p:spTree>
+    <p:extLst>
+      <p:ext uri="{BB962C8B-B14F-4D97-AF65-F5344CB8AC3E}">
+        <p14:creationId xmlns:p14="http://schemas.microsoft.com/office/powerpoint/2010/main" val="2034773353"/>
+      </p:ext>
+    </p:extLst>
+  </p:cSld>
+  <p:clrMapOvr>
+    <a:masterClrMapping/>
+  </p:clrMapOvr>
+</p:sld>
+</file>
+
+<file path=ppt/slides/slide23.xml><?xml version="1.0" encoding="utf-8"?>
+<p:sld xmlns:a="http://schemas.openxmlformats.org/drawingml/2006/main" xmlns:r="http://schemas.openxmlformats.org/officeDocument/2006/relationships" xmlns:p="http://schemas.openxmlformats.org/presentationml/2006/main">
+  <p:cSld>
+    <p:spTree>
+      <p:nvGrpSpPr>
+        <p:cNvPr id="1" name=""/>
+        <p:cNvGrpSpPr/>
+        <p:nvPr/>
+      </p:nvGrpSpPr>
+      <p:grpSpPr>
+        <a:xfrm>
+          <a:off x="0" y="0"/>
+          <a:ext cx="0" cy="0"/>
+          <a:chOff x="0" y="0"/>
+          <a:chExt cx="0" cy="0"/>
+        </a:xfrm>
+      </p:grpSpPr>
+      <p:sp>
+        <p:nvSpPr>
+          <p:cNvPr id="4" name="标题 3">
+            <a:extLst>
+              <a:ext uri="{FF2B5EF4-FFF2-40B4-BE49-F238E27FC236}">
+                <a16:creationId xmlns:a16="http://schemas.microsoft.com/office/drawing/2014/main" id="{3D423D96-20E4-4270-9ACB-A7BDB85CEF04}"/>
+              </a:ext>
+            </a:extLst>
+          </p:cNvPr>
+          <p:cNvSpPr>
+            <a:spLocks noGrp="1"/>
+          </p:cNvSpPr>
+          <p:nvPr>
+            <p:ph type="ctrTitle"/>
+          </p:nvPr>
+        </p:nvSpPr>
+        <p:spPr/>
+        <p:txBody>
+          <a:bodyPr/>
+          <a:lstStyle/>
+          <a:p>
+            <a:r>
+              <a:rPr lang="zh-CN" altLang="en-US" dirty="0"/>
+              <a:t>感谢聆听！</a:t>
+            </a:r>
+          </a:p>
+        </p:txBody>
+      </p:sp>
+      <p:sp>
+        <p:nvSpPr>
+          <p:cNvPr id="5" name="副标题 4">
+            <a:extLst>
+              <a:ext uri="{FF2B5EF4-FFF2-40B4-BE49-F238E27FC236}">
+                <a16:creationId xmlns:a16="http://schemas.microsoft.com/office/drawing/2014/main" id="{B1B6501D-9C35-4A78-81CD-DF1397683F18}"/>
+              </a:ext>
+            </a:extLst>
+          </p:cNvPr>
+          <p:cNvSpPr>
+            <a:spLocks noGrp="1"/>
+          </p:cNvSpPr>
+          <p:nvPr>
+            <p:ph type="subTitle" idx="1"/>
+          </p:nvPr>
+        </p:nvSpPr>
+        <p:spPr/>
+        <p:txBody>
+          <a:bodyPr/>
+          <a:lstStyle/>
+          <a:p>
+            <a:pPr algn="r"/>
+            <a:r>
+              <a:rPr lang="zh-CN" altLang="en-US" dirty="0"/>
+              <a:t>某学习群见！</a:t>
+            </a:r>
+          </a:p>
+        </p:txBody>
+      </p:sp>
+      <p:sp>
+        <p:nvSpPr>
+          <p:cNvPr id="6" name="文本框 5">
+            <a:extLst>
+              <a:ext uri="{FF2B5EF4-FFF2-40B4-BE49-F238E27FC236}">
+                <a16:creationId xmlns:a16="http://schemas.microsoft.com/office/drawing/2014/main" id="{A9816D07-76ED-4790-BD0F-DE47A85E4475}"/>
+              </a:ext>
+            </a:extLst>
+          </p:cNvPr>
+          <p:cNvSpPr txBox="1"/>
+          <p:nvPr/>
+        </p:nvSpPr>
+        <p:spPr>
+          <a:xfrm>
+            <a:off x="2248536" y="6303146"/>
+            <a:ext cx="7694927" cy="369332"/>
+          </a:xfrm>
+          <a:prstGeom prst="rect">
+            <a:avLst/>
+          </a:prstGeom>
+          <a:noFill/>
+        </p:spPr>
+        <p:txBody>
+          <a:bodyPr wrap="none" rtlCol="0">
+            <a:spAutoFit/>
+          </a:bodyPr>
+          <a:lstStyle/>
+          <a:p>
+            <a:r>
+              <a:rPr lang="en-US" altLang="zh-CN" dirty="0"/>
+              <a:t>PPT</a:t>
+            </a:r>
+            <a:r>
+              <a:rPr lang="zh-CN" altLang="en-US" dirty="0"/>
+              <a:t>及代码获取地址：</a:t>
+            </a:r>
+            <a:r>
+              <a:rPr lang="en-US" altLang="zh-CN" dirty="0"/>
+              <a:t>https://github.com/wangwangwang23333/PPT-Collections</a:t>
+            </a:r>
+            <a:endParaRPr lang="zh-CN" altLang="en-US" dirty="0"/>
+          </a:p>
+        </p:txBody>
+      </p:sp>
+    </p:spTree>
+    <p:extLst>
+      <p:ext uri="{BB962C8B-B14F-4D97-AF65-F5344CB8AC3E}">
+        <p14:creationId xmlns:p14="http://schemas.microsoft.com/office/powerpoint/2010/main" val="4198221247"/>
       </p:ext>
     </p:extLst>
   </p:cSld>
@@ -5718,7 +6272,7 @@
           <a:p>
             <a:r>
               <a:rPr lang="zh-CN" altLang="en-US" dirty="0"/>
-              <a:t>转专业要求</a:t>
+              <a:t>下定决心</a:t>
             </a:r>
           </a:p>
         </p:txBody>
@@ -5741,109 +6295,77 @@
         </p:nvSpPr>
         <p:spPr/>
         <p:txBody>
-          <a:bodyPr/>
-          <a:lstStyle/>
-          <a:p>
-            <a:r>
-              <a:rPr lang="en-US" altLang="zh-CN" dirty="0"/>
-              <a:t>4</a:t>
-            </a:r>
-            <a:r>
-              <a:rPr lang="zh-CN" altLang="en-US" dirty="0"/>
-              <a:t>．对以考核成绩方式报名、但绩点低于</a:t>
-            </a:r>
-            <a:r>
-              <a:rPr lang="en-US" altLang="zh-CN" dirty="0"/>
-              <a:t>4.25</a:t>
-            </a:r>
-            <a:r>
-              <a:rPr lang="zh-CN" altLang="en-US" dirty="0"/>
-              <a:t>的学生，如在软件相关专业竞赛中获奖或有专业相关特长，需在</a:t>
-            </a:r>
-            <a:r>
-              <a:rPr lang="en-US" altLang="zh-CN" dirty="0"/>
-              <a:t>2019</a:t>
-            </a:r>
-            <a:r>
-              <a:rPr lang="zh-CN" altLang="en-US" dirty="0"/>
-              <a:t>年</a:t>
-            </a:r>
-            <a:r>
-              <a:rPr lang="en-US" altLang="zh-CN" dirty="0"/>
-              <a:t>4</a:t>
-            </a:r>
-            <a:r>
-              <a:rPr lang="zh-CN" altLang="en-US" dirty="0"/>
-              <a:t>月</a:t>
-            </a:r>
-            <a:r>
-              <a:rPr lang="en-US" altLang="zh-CN" dirty="0"/>
-              <a:t>25</a:t>
-            </a:r>
-            <a:r>
-              <a:rPr lang="zh-CN" altLang="en-US" dirty="0"/>
-              <a:t>日中午</a:t>
-            </a:r>
-            <a:r>
-              <a:rPr lang="en-US" altLang="zh-CN" dirty="0"/>
-              <a:t>12:00</a:t>
-            </a:r>
-            <a:r>
-              <a:rPr lang="zh-CN" altLang="en-US" dirty="0"/>
-              <a:t>之前将相关证书发送邮件至</a:t>
-            </a:r>
-            <a:r>
-              <a:rPr lang="en-US" altLang="zh-CN" dirty="0"/>
-              <a:t>ssejwb@163.com</a:t>
-            </a:r>
-            <a:r>
-              <a:rPr lang="zh-CN" altLang="en-US" dirty="0"/>
-              <a:t>邮箱（以邮件发出时间为准），经我院认定后可邀请参加面试；</a:t>
-            </a:r>
-          </a:p>
-          <a:p>
-            <a:r>
-              <a:rPr lang="en-US" altLang="zh-CN" dirty="0"/>
-              <a:t>6</a:t>
-            </a:r>
-            <a:r>
-              <a:rPr lang="zh-CN" altLang="en-US" dirty="0"/>
-              <a:t>．面试前，学生需明确转入大一或大二的计划。面试中，如发现学生已修课程在高等数学、普通物理、线性代数、概率论和数理统计等公共基础课程和我院要求课程不一致（如数学</a:t>
-            </a:r>
-            <a:r>
-              <a:rPr lang="en-US" altLang="zh-CN" dirty="0"/>
-              <a:t>B</a:t>
-            </a:r>
-            <a:r>
-              <a:rPr lang="zh-CN" altLang="en-US" dirty="0"/>
-              <a:t>，普物</a:t>
-            </a:r>
-            <a:r>
-              <a:rPr lang="en-US" altLang="zh-CN" dirty="0"/>
-              <a:t>A</a:t>
-            </a:r>
-            <a:r>
-              <a:rPr lang="zh-CN" altLang="en-US" dirty="0"/>
-              <a:t>等），原则上要求学生转入大一学习。有较好专业基础（例如已有独立完成的具有一定难度的项目，且可被验证（例如得奖或在</a:t>
-            </a:r>
-            <a:r>
-              <a:rPr lang="en-US" altLang="zh-CN" dirty="0" err="1"/>
-              <a:t>Github</a:t>
-            </a:r>
-            <a:r>
-              <a:rPr lang="zh-CN" altLang="en-US" dirty="0"/>
-              <a:t>或有源代码））者，可批准进入大二学习，否则原则上也要求学生转入大一学习。</a:t>
-            </a:r>
-          </a:p>
-          <a:p>
-            <a:endParaRPr lang="zh-CN" altLang="en-US" dirty="0"/>
+          <a:bodyPr>
+            <a:normAutofit/>
+          </a:bodyPr>
+          <a:lstStyle/>
+          <a:p>
+            <a:r>
+              <a:rPr lang="zh-CN" altLang="en-US" sz="3200" dirty="0"/>
+              <a:t>退课</a:t>
+            </a:r>
+            <a:endParaRPr lang="en-US" altLang="zh-CN" sz="3200" dirty="0"/>
+          </a:p>
+          <a:p>
+            <a:r>
+              <a:rPr lang="zh-CN" altLang="en-US" sz="3200" dirty="0"/>
+              <a:t>三个专业：某</a:t>
+            </a:r>
+            <a:r>
+              <a:rPr lang="en-US" altLang="zh-CN" sz="3200" dirty="0"/>
+              <a:t>TOP1</a:t>
+            </a:r>
+            <a:r>
+              <a:rPr lang="zh-CN" altLang="en-US" sz="3200" dirty="0"/>
+              <a:t>专业、软件、计算机</a:t>
+            </a:r>
+            <a:endParaRPr lang="en-US" altLang="zh-CN" sz="3200" dirty="0"/>
+          </a:p>
+          <a:p>
+            <a:r>
+              <a:rPr lang="zh-CN" altLang="en-US" sz="3200" dirty="0"/>
+              <a:t>推荐：跨专业选课</a:t>
+            </a:r>
+            <a:endParaRPr lang="en-US" altLang="zh-CN" sz="3200" dirty="0"/>
+          </a:p>
+          <a:p>
+            <a:pPr lvl="1"/>
+            <a:r>
+              <a:rPr lang="zh-CN" altLang="en-US" sz="3000" dirty="0"/>
+              <a:t>电路理论</a:t>
+            </a:r>
+            <a:endParaRPr lang="en-US" altLang="zh-CN" sz="3000" dirty="0"/>
+          </a:p>
+          <a:p>
+            <a:pPr lvl="1"/>
+            <a:r>
+              <a:rPr lang="zh-CN" altLang="en-US" sz="3000" dirty="0"/>
+              <a:t>通识</a:t>
+            </a:r>
+            <a:r>
+              <a:rPr lang="en-US" altLang="zh-CN" sz="3000" dirty="0"/>
+              <a:t>C++</a:t>
+            </a:r>
+            <a:r>
+              <a:rPr lang="zh-CN" altLang="en-US" sz="3000" dirty="0"/>
+              <a:t>、</a:t>
+            </a:r>
+            <a:r>
+              <a:rPr lang="en-US" altLang="zh-CN" sz="3000" dirty="0"/>
+              <a:t>Python</a:t>
+            </a:r>
+            <a:r>
+              <a:rPr lang="zh-CN" altLang="en-US" sz="3000" dirty="0"/>
+              <a:t>（打打基础）</a:t>
+            </a:r>
+            <a:endParaRPr lang="en-US" altLang="zh-CN" sz="3000" dirty="0"/>
           </a:p>
         </p:txBody>
       </p:sp>
     </p:spTree>
     <p:extLst>
       <p:ext uri="{BB962C8B-B14F-4D97-AF65-F5344CB8AC3E}">
-        <p14:creationId xmlns:p14="http://schemas.microsoft.com/office/powerpoint/2010/main" val="355381993"/>
+        <p14:creationId xmlns:p14="http://schemas.microsoft.com/office/powerpoint/2010/main" val="1272603731"/>
       </p:ext>
     </p:extLst>
   </p:cSld>
@@ -5875,7 +6397,7 @@
           <p:cNvPr id="2" name="标题 1">
             <a:extLst>
               <a:ext uri="{FF2B5EF4-FFF2-40B4-BE49-F238E27FC236}">
-                <a16:creationId xmlns:a16="http://schemas.microsoft.com/office/drawing/2014/main" id="{73435A19-1DB8-4A71-8B84-4B978EA50781}"/>
+                <a16:creationId xmlns:a16="http://schemas.microsoft.com/office/drawing/2014/main" id="{0266ED0C-D15C-48B9-8F4E-BCDE3BC66363}"/>
               </a:ext>
             </a:extLst>
           </p:cNvPr>
@@ -5903,7 +6425,7 @@
           <p:cNvPr id="3" name="内容占位符 2">
             <a:extLst>
               <a:ext uri="{FF2B5EF4-FFF2-40B4-BE49-F238E27FC236}">
-                <a16:creationId xmlns:a16="http://schemas.microsoft.com/office/drawing/2014/main" id="{A3F1F993-1154-4AF3-A15F-3A3A8708E677}"/>
+                <a16:creationId xmlns:a16="http://schemas.microsoft.com/office/drawing/2014/main" id="{16A38B96-F81A-4A6A-AFBA-F9AB35AEEE41}"/>
               </a:ext>
             </a:extLst>
           </p:cNvPr>
@@ -5922,40 +6444,72 @@
           <a:lstStyle/>
           <a:p>
             <a:r>
-              <a:rPr lang="zh-CN" altLang="en-US" sz="3200" dirty="0"/>
-              <a:t>分数组成</a:t>
-            </a:r>
-            <a:endParaRPr lang="en-US" altLang="zh-CN" sz="3200" dirty="0"/>
-          </a:p>
-          <a:p>
-            <a:pPr lvl="1"/>
-            <a:r>
-              <a:rPr lang="zh-CN" altLang="en-US" sz="2800" dirty="0"/>
-              <a:t>面试：</a:t>
-            </a:r>
-            <a:r>
-              <a:rPr lang="en-US" altLang="zh-CN" sz="2800" dirty="0"/>
-              <a:t>50%</a:t>
-            </a:r>
-          </a:p>
-          <a:p>
-            <a:pPr lvl="1"/>
-            <a:r>
-              <a:rPr lang="zh-CN" altLang="en-US" sz="2800" dirty="0"/>
-              <a:t>绩点：</a:t>
-            </a:r>
-            <a:r>
-              <a:rPr lang="en-US" altLang="zh-CN" sz="2800" dirty="0"/>
-              <a:t>50%</a:t>
-            </a:r>
-          </a:p>
-          <a:p>
-            <a:endParaRPr lang="en-US" altLang="zh-CN" sz="3200" dirty="0"/>
-          </a:p>
-          <a:p>
-            <a:r>
-              <a:rPr lang="zh-CN" altLang="en-US" sz="3200" dirty="0"/>
-              <a:t>荣誉课有额外加成</a:t>
+              <a:rPr lang="en-US" altLang="zh-CN" sz="2000" dirty="0"/>
+              <a:t>1</a:t>
+            </a:r>
+            <a:r>
+              <a:rPr lang="zh-CN" altLang="en-US" sz="2000" dirty="0"/>
+              <a:t>．按照高考成绩、考核成绩两种报名方式，根据报名学生成绩绩点从高到低分别排序；</a:t>
+            </a:r>
+          </a:p>
+          <a:p>
+            <a:r>
+              <a:rPr lang="en-US" altLang="zh-CN" sz="2000" dirty="0"/>
+              <a:t>2</a:t>
+            </a:r>
+            <a:r>
+              <a:rPr lang="zh-CN" altLang="en-US" sz="2000" dirty="0"/>
+              <a:t>．按照高考成绩方式，按照</a:t>
+            </a:r>
+            <a:r>
+              <a:rPr lang="en-US" altLang="zh-CN" sz="2000" dirty="0"/>
+              <a:t>1:1.2</a:t>
+            </a:r>
+            <a:r>
+              <a:rPr lang="zh-CN" altLang="en-US" sz="2000" dirty="0"/>
+              <a:t>比例邀请面试，本次邀请面试学生数</a:t>
+            </a:r>
+            <a:r>
+              <a:rPr lang="en-US" altLang="zh-CN" sz="2000" dirty="0"/>
+              <a:t>13</a:t>
+            </a:r>
+            <a:r>
+              <a:rPr lang="zh-CN" altLang="en-US" sz="2000" dirty="0"/>
+              <a:t>人（详细名单见附件）；</a:t>
+            </a:r>
+          </a:p>
+          <a:p>
+            <a:r>
+              <a:rPr lang="en-US" altLang="zh-CN" sz="2000" dirty="0"/>
+              <a:t>3</a:t>
+            </a:r>
+            <a:r>
+              <a:rPr lang="zh-CN" altLang="en-US" sz="2000" dirty="0"/>
+              <a:t>．按照考核成绩方式，考虑到</a:t>
+            </a:r>
+            <a:r>
+              <a:rPr lang="en-US" altLang="zh-CN" sz="2000" dirty="0"/>
+              <a:t>2018</a:t>
+            </a:r>
+            <a:r>
+              <a:rPr lang="zh-CN" altLang="en-US" sz="2000" dirty="0"/>
+              <a:t>级转专业报名学生人数及成绩总体情况，以及近两年转专业学生放弃面试和预录取学生放弃确认情况，邀请绩点</a:t>
+            </a:r>
+            <a:r>
+              <a:rPr lang="en-US" altLang="zh-CN" sz="2000" dirty="0"/>
+              <a:t>4.25</a:t>
+            </a:r>
+            <a:r>
+              <a:rPr lang="zh-CN" altLang="en-US" sz="2000" dirty="0"/>
+              <a:t>（含）以上学生参加面试，本次邀请面试学生数</a:t>
+            </a:r>
+            <a:r>
+              <a:rPr lang="en-US" altLang="zh-CN" sz="2000" dirty="0"/>
+              <a:t>61</a:t>
+            </a:r>
+            <a:r>
+              <a:rPr lang="zh-CN" altLang="en-US" sz="2000" dirty="0"/>
+              <a:t>人（详细名单见附件）；</a:t>
             </a:r>
           </a:p>
         </p:txBody>
@@ -5963,7 +6517,7 @@
     </p:spTree>
     <p:extLst>
       <p:ext uri="{BB962C8B-B14F-4D97-AF65-F5344CB8AC3E}">
-        <p14:creationId xmlns:p14="http://schemas.microsoft.com/office/powerpoint/2010/main" val="1332294521"/>
+        <p14:creationId xmlns:p14="http://schemas.microsoft.com/office/powerpoint/2010/main" val="3531604841"/>
       </p:ext>
     </p:extLst>
   </p:cSld>
@@ -5992,6 +6546,319 @@
       </p:grpSpPr>
       <p:sp>
         <p:nvSpPr>
+          <p:cNvPr id="2" name="标题 1">
+            <a:extLst>
+              <a:ext uri="{FF2B5EF4-FFF2-40B4-BE49-F238E27FC236}">
+                <a16:creationId xmlns:a16="http://schemas.microsoft.com/office/drawing/2014/main" id="{73435A19-1DB8-4A71-8B84-4B978EA50781}"/>
+              </a:ext>
+            </a:extLst>
+          </p:cNvPr>
+          <p:cNvSpPr>
+            <a:spLocks noGrp="1"/>
+          </p:cNvSpPr>
+          <p:nvPr>
+            <p:ph type="title"/>
+          </p:nvPr>
+        </p:nvSpPr>
+        <p:spPr/>
+        <p:txBody>
+          <a:bodyPr/>
+          <a:lstStyle/>
+          <a:p>
+            <a:r>
+              <a:rPr lang="zh-CN" altLang="en-US" dirty="0"/>
+              <a:t>转专业要求</a:t>
+            </a:r>
+          </a:p>
+        </p:txBody>
+      </p:sp>
+      <p:sp>
+        <p:nvSpPr>
+          <p:cNvPr id="3" name="内容占位符 2">
+            <a:extLst>
+              <a:ext uri="{FF2B5EF4-FFF2-40B4-BE49-F238E27FC236}">
+                <a16:creationId xmlns:a16="http://schemas.microsoft.com/office/drawing/2014/main" id="{A3F1F993-1154-4AF3-A15F-3A3A8708E677}"/>
+              </a:ext>
+            </a:extLst>
+          </p:cNvPr>
+          <p:cNvSpPr>
+            <a:spLocks noGrp="1"/>
+          </p:cNvSpPr>
+          <p:nvPr>
+            <p:ph idx="1"/>
+          </p:nvPr>
+        </p:nvSpPr>
+        <p:spPr/>
+        <p:txBody>
+          <a:bodyPr/>
+          <a:lstStyle/>
+          <a:p>
+            <a:r>
+              <a:rPr lang="en-US" altLang="zh-CN" dirty="0"/>
+              <a:t>4</a:t>
+            </a:r>
+            <a:r>
+              <a:rPr lang="zh-CN" altLang="en-US" dirty="0"/>
+              <a:t>．对以考核成绩方式报名、但绩点低于</a:t>
+            </a:r>
+            <a:r>
+              <a:rPr lang="en-US" altLang="zh-CN" dirty="0"/>
+              <a:t>4.25</a:t>
+            </a:r>
+            <a:r>
+              <a:rPr lang="zh-CN" altLang="en-US" dirty="0"/>
+              <a:t>的学生，如在软件相关专业竞赛中获奖或有专业相关特长，需在</a:t>
+            </a:r>
+            <a:r>
+              <a:rPr lang="en-US" altLang="zh-CN" dirty="0"/>
+              <a:t>2019</a:t>
+            </a:r>
+            <a:r>
+              <a:rPr lang="zh-CN" altLang="en-US" dirty="0"/>
+              <a:t>年</a:t>
+            </a:r>
+            <a:r>
+              <a:rPr lang="en-US" altLang="zh-CN" dirty="0"/>
+              <a:t>4</a:t>
+            </a:r>
+            <a:r>
+              <a:rPr lang="zh-CN" altLang="en-US" dirty="0"/>
+              <a:t>月</a:t>
+            </a:r>
+            <a:r>
+              <a:rPr lang="en-US" altLang="zh-CN" dirty="0"/>
+              <a:t>25</a:t>
+            </a:r>
+            <a:r>
+              <a:rPr lang="zh-CN" altLang="en-US" dirty="0"/>
+              <a:t>日中午</a:t>
+            </a:r>
+            <a:r>
+              <a:rPr lang="en-US" altLang="zh-CN" dirty="0"/>
+              <a:t>12:00</a:t>
+            </a:r>
+            <a:r>
+              <a:rPr lang="zh-CN" altLang="en-US" dirty="0"/>
+              <a:t>之前将相关证书发送邮件至</a:t>
+            </a:r>
+            <a:r>
+              <a:rPr lang="en-US" altLang="zh-CN" dirty="0"/>
+              <a:t>ssejwb@163.com</a:t>
+            </a:r>
+            <a:r>
+              <a:rPr lang="zh-CN" altLang="en-US" dirty="0"/>
+              <a:t>邮箱（以邮件发出时间为准），经我院认定后可邀请参加面试；</a:t>
+            </a:r>
+          </a:p>
+          <a:p>
+            <a:r>
+              <a:rPr lang="en-US" altLang="zh-CN" dirty="0"/>
+              <a:t>6</a:t>
+            </a:r>
+            <a:r>
+              <a:rPr lang="zh-CN" altLang="en-US" dirty="0"/>
+              <a:t>．面试前，学生需明确转入大一或大二的计划。面试中，如发现学生已修课程在高等数学、普通物理、线性代数、概率论和数理统计等公共基础课程和我院要求课程不一致（如数学</a:t>
+            </a:r>
+            <a:r>
+              <a:rPr lang="en-US" altLang="zh-CN" dirty="0"/>
+              <a:t>B</a:t>
+            </a:r>
+            <a:r>
+              <a:rPr lang="zh-CN" altLang="en-US" dirty="0"/>
+              <a:t>，普物</a:t>
+            </a:r>
+            <a:r>
+              <a:rPr lang="en-US" altLang="zh-CN" dirty="0"/>
+              <a:t>A</a:t>
+            </a:r>
+            <a:r>
+              <a:rPr lang="zh-CN" altLang="en-US" dirty="0"/>
+              <a:t>等），原则上要求学生转入大一学习。有较好专业基础（例如已有独立完成的具有一定难度的项目，且可被验证（例如得奖或在</a:t>
+            </a:r>
+            <a:r>
+              <a:rPr lang="en-US" altLang="zh-CN" dirty="0" err="1"/>
+              <a:t>Github</a:t>
+            </a:r>
+            <a:r>
+              <a:rPr lang="zh-CN" altLang="en-US" dirty="0"/>
+              <a:t>或有源代码））者，可批准进入大二学习，否则原则上也要求学生转入大一学习。</a:t>
+            </a:r>
+          </a:p>
+          <a:p>
+            <a:endParaRPr lang="zh-CN" altLang="en-US" dirty="0"/>
+          </a:p>
+        </p:txBody>
+      </p:sp>
+    </p:spTree>
+    <p:extLst>
+      <p:ext uri="{BB962C8B-B14F-4D97-AF65-F5344CB8AC3E}">
+        <p14:creationId xmlns:p14="http://schemas.microsoft.com/office/powerpoint/2010/main" val="355381993"/>
+      </p:ext>
+    </p:extLst>
+  </p:cSld>
+  <p:clrMapOvr>
+    <a:masterClrMapping/>
+  </p:clrMapOvr>
+</p:sld>
+</file>
+
+<file path=ppt/slides/slide6.xml><?xml version="1.0" encoding="utf-8"?>
+<p:sld xmlns:a="http://schemas.openxmlformats.org/drawingml/2006/main" xmlns:r="http://schemas.openxmlformats.org/officeDocument/2006/relationships" xmlns:p="http://schemas.openxmlformats.org/presentationml/2006/main">
+  <p:cSld>
+    <p:spTree>
+      <p:nvGrpSpPr>
+        <p:cNvPr id="1" name=""/>
+        <p:cNvGrpSpPr/>
+        <p:nvPr/>
+      </p:nvGrpSpPr>
+      <p:grpSpPr>
+        <a:xfrm>
+          <a:off x="0" y="0"/>
+          <a:ext cx="0" cy="0"/>
+          <a:chOff x="0" y="0"/>
+          <a:chExt cx="0" cy="0"/>
+        </a:xfrm>
+      </p:grpSpPr>
+      <p:sp>
+        <p:nvSpPr>
+          <p:cNvPr id="2" name="标题 1">
+            <a:extLst>
+              <a:ext uri="{FF2B5EF4-FFF2-40B4-BE49-F238E27FC236}">
+                <a16:creationId xmlns:a16="http://schemas.microsoft.com/office/drawing/2014/main" id="{73435A19-1DB8-4A71-8B84-4B978EA50781}"/>
+              </a:ext>
+            </a:extLst>
+          </p:cNvPr>
+          <p:cNvSpPr>
+            <a:spLocks noGrp="1"/>
+          </p:cNvSpPr>
+          <p:nvPr>
+            <p:ph type="title"/>
+          </p:nvPr>
+        </p:nvSpPr>
+        <p:spPr/>
+        <p:txBody>
+          <a:bodyPr/>
+          <a:lstStyle/>
+          <a:p>
+            <a:r>
+              <a:rPr lang="zh-CN" altLang="en-US" dirty="0"/>
+              <a:t>转专业要求</a:t>
+            </a:r>
+          </a:p>
+        </p:txBody>
+      </p:sp>
+      <p:sp>
+        <p:nvSpPr>
+          <p:cNvPr id="3" name="内容占位符 2">
+            <a:extLst>
+              <a:ext uri="{FF2B5EF4-FFF2-40B4-BE49-F238E27FC236}">
+                <a16:creationId xmlns:a16="http://schemas.microsoft.com/office/drawing/2014/main" id="{A3F1F993-1154-4AF3-A15F-3A3A8708E677}"/>
+              </a:ext>
+            </a:extLst>
+          </p:cNvPr>
+          <p:cNvSpPr>
+            <a:spLocks noGrp="1"/>
+          </p:cNvSpPr>
+          <p:nvPr>
+            <p:ph idx="1"/>
+          </p:nvPr>
+        </p:nvSpPr>
+        <p:spPr/>
+        <p:txBody>
+          <a:bodyPr>
+            <a:normAutofit/>
+          </a:bodyPr>
+          <a:lstStyle/>
+          <a:p>
+            <a:r>
+              <a:rPr lang="zh-CN" altLang="en-US" sz="3200" dirty="0"/>
+              <a:t>分数组成</a:t>
+            </a:r>
+            <a:endParaRPr lang="en-US" altLang="zh-CN" sz="3200" dirty="0"/>
+          </a:p>
+          <a:p>
+            <a:pPr lvl="1"/>
+            <a:r>
+              <a:rPr lang="zh-CN" altLang="en-US" sz="2800" dirty="0"/>
+              <a:t>面试：</a:t>
+            </a:r>
+            <a:r>
+              <a:rPr lang="en-US" altLang="zh-CN" sz="2800" dirty="0"/>
+              <a:t>50% </a:t>
+            </a:r>
+            <a:r>
+              <a:rPr lang="zh-CN" altLang="en-US" sz="2800" dirty="0"/>
+              <a:t>（</a:t>
+            </a:r>
+            <a:r>
+              <a:rPr lang="en-US" altLang="zh-CN" sz="2800" dirty="0"/>
+              <a:t>3-5</a:t>
+            </a:r>
+            <a:r>
+              <a:rPr lang="zh-CN" altLang="en-US" sz="2800" dirty="0"/>
+              <a:t>分钟，含提问）</a:t>
+            </a:r>
+            <a:endParaRPr lang="en-US" altLang="zh-CN" sz="2800" dirty="0"/>
+          </a:p>
+          <a:p>
+            <a:pPr lvl="1"/>
+            <a:r>
+              <a:rPr lang="zh-CN" altLang="en-US" sz="2800" dirty="0"/>
+              <a:t>绩点：</a:t>
+            </a:r>
+            <a:r>
+              <a:rPr lang="en-US" altLang="zh-CN" sz="2800" dirty="0"/>
+              <a:t>50% </a:t>
+            </a:r>
+            <a:r>
+              <a:rPr lang="zh-CN" altLang="en-US" sz="2800" dirty="0"/>
+              <a:t>（第一学期绩点）</a:t>
+            </a:r>
+            <a:endParaRPr lang="en-US" altLang="zh-CN" sz="2800" dirty="0"/>
+          </a:p>
+          <a:p>
+            <a:endParaRPr lang="en-US" altLang="zh-CN" sz="3200" dirty="0"/>
+          </a:p>
+          <a:p>
+            <a:r>
+              <a:rPr lang="zh-CN" altLang="en-US" sz="3200" dirty="0"/>
+              <a:t>荣誉课有额外加成</a:t>
+            </a:r>
+          </a:p>
+        </p:txBody>
+      </p:sp>
+    </p:spTree>
+    <p:extLst>
+      <p:ext uri="{BB962C8B-B14F-4D97-AF65-F5344CB8AC3E}">
+        <p14:creationId xmlns:p14="http://schemas.microsoft.com/office/powerpoint/2010/main" val="1332294521"/>
+      </p:ext>
+    </p:extLst>
+  </p:cSld>
+  <p:clrMapOvr>
+    <a:masterClrMapping/>
+  </p:clrMapOvr>
+</p:sld>
+</file>
+
+<file path=ppt/slides/slide7.xml><?xml version="1.0" encoding="utf-8"?>
+<p:sld xmlns:a="http://schemas.openxmlformats.org/drawingml/2006/main" xmlns:r="http://schemas.openxmlformats.org/officeDocument/2006/relationships" xmlns:p="http://schemas.openxmlformats.org/presentationml/2006/main">
+  <p:cSld>
+    <p:spTree>
+      <p:nvGrpSpPr>
+        <p:cNvPr id="1" name=""/>
+        <p:cNvGrpSpPr/>
+        <p:nvPr/>
+      </p:nvGrpSpPr>
+      <p:grpSpPr>
+        <a:xfrm>
+          <a:off x="0" y="0"/>
+          <a:ext cx="0" cy="0"/>
+          <a:chOff x="0" y="0"/>
+          <a:chExt cx="0" cy="0"/>
+        </a:xfrm>
+      </p:grpSpPr>
+      <p:sp>
+        <p:nvSpPr>
           <p:cNvPr id="6" name="竖排标题 5">
             <a:extLst>
               <a:ext uri="{FF2B5EF4-FFF2-40B4-BE49-F238E27FC236}">
@@ -6177,7 +7044,7 @@
 </p:sld>
 </file>
 
-<file path=ppt/slides/slide6.xml><?xml version="1.0" encoding="utf-8"?>
+<file path=ppt/slides/slide8.xml><?xml version="1.0" encoding="utf-8"?>
 <p:sld xmlns:a="http://schemas.openxmlformats.org/drawingml/2006/main" xmlns:r="http://schemas.openxmlformats.org/officeDocument/2006/relationships" xmlns:p="http://schemas.openxmlformats.org/presentationml/2006/main">
   <p:cSld>
     <p:bg>
@@ -6247,264 +7114,6 @@
 </p:sld>
 </file>
 
-<file path=ppt/slides/slide7.xml><?xml version="1.0" encoding="utf-8"?>
-<p:sld xmlns:a="http://schemas.openxmlformats.org/drawingml/2006/main" xmlns:r="http://schemas.openxmlformats.org/officeDocument/2006/relationships" xmlns:p="http://schemas.openxmlformats.org/presentationml/2006/main">
-  <p:cSld>
-    <p:spTree>
-      <p:nvGrpSpPr>
-        <p:cNvPr id="1" name=""/>
-        <p:cNvGrpSpPr/>
-        <p:nvPr/>
-      </p:nvGrpSpPr>
-      <p:grpSpPr>
-        <a:xfrm>
-          <a:off x="0" y="0"/>
-          <a:ext cx="0" cy="0"/>
-          <a:chOff x="0" y="0"/>
-          <a:chExt cx="0" cy="0"/>
-        </a:xfrm>
-      </p:grpSpPr>
-      <p:sp>
-        <p:nvSpPr>
-          <p:cNvPr id="4" name="标题 3">
-            <a:extLst>
-              <a:ext uri="{FF2B5EF4-FFF2-40B4-BE49-F238E27FC236}">
-                <a16:creationId xmlns:a16="http://schemas.microsoft.com/office/drawing/2014/main" id="{9B42AD7D-D682-436F-B33D-C7F4375FABB1}"/>
-              </a:ext>
-            </a:extLst>
-          </p:cNvPr>
-          <p:cNvSpPr>
-            <a:spLocks noGrp="1"/>
-          </p:cNvSpPr>
-          <p:nvPr>
-            <p:ph type="title"/>
-          </p:nvPr>
-        </p:nvSpPr>
-        <p:spPr/>
-        <p:txBody>
-          <a:bodyPr/>
-          <a:lstStyle/>
-          <a:p>
-            <a:r>
-              <a:rPr lang="zh-CN" altLang="en-US" dirty="0"/>
-              <a:t>可以为面试做的准备</a:t>
-            </a:r>
-            <a:r>
-              <a:rPr lang="en-US" altLang="zh-CN" dirty="0"/>
-              <a:t>……</a:t>
-            </a:r>
-            <a:endParaRPr lang="zh-CN" altLang="en-US" dirty="0"/>
-          </a:p>
-        </p:txBody>
-      </p:sp>
-      <p:sp>
-        <p:nvSpPr>
-          <p:cNvPr id="5" name="内容占位符 4">
-            <a:extLst>
-              <a:ext uri="{FF2B5EF4-FFF2-40B4-BE49-F238E27FC236}">
-                <a16:creationId xmlns:a16="http://schemas.microsoft.com/office/drawing/2014/main" id="{65DAE0F9-1C9C-449E-9D0D-2643096FBAAB}"/>
-              </a:ext>
-            </a:extLst>
-          </p:cNvPr>
-          <p:cNvSpPr>
-            <a:spLocks noGrp="1"/>
-          </p:cNvSpPr>
-          <p:nvPr>
-            <p:ph idx="1"/>
-          </p:nvPr>
-        </p:nvSpPr>
-        <p:spPr/>
-        <p:txBody>
-          <a:bodyPr>
-            <a:normAutofit/>
-          </a:bodyPr>
-          <a:lstStyle/>
-          <a:p>
-            <a:r>
-              <a:rPr lang="zh-CN" altLang="en-US" sz="2800" dirty="0"/>
-              <a:t>自我介绍稿件</a:t>
-            </a:r>
-            <a:endParaRPr lang="en-US" altLang="zh-CN" sz="2800" dirty="0"/>
-          </a:p>
-          <a:p>
-            <a:r>
-              <a:rPr lang="zh-CN" altLang="en-US" sz="2800" dirty="0"/>
-              <a:t>准备点项目</a:t>
-            </a:r>
-            <a:endParaRPr lang="en-US" altLang="zh-CN" sz="2800" dirty="0"/>
-          </a:p>
-          <a:p>
-            <a:r>
-              <a:rPr lang="zh-CN" altLang="en-US" sz="2800" dirty="0"/>
-              <a:t>了解一些软件开发过程中的常见工具</a:t>
-            </a:r>
-          </a:p>
-        </p:txBody>
-      </p:sp>
-    </p:spTree>
-    <p:extLst>
-      <p:ext uri="{BB962C8B-B14F-4D97-AF65-F5344CB8AC3E}">
-        <p14:creationId xmlns:p14="http://schemas.microsoft.com/office/powerpoint/2010/main" val="3509750597"/>
-      </p:ext>
-    </p:extLst>
-  </p:cSld>
-  <p:clrMapOvr>
-    <a:masterClrMapping/>
-  </p:clrMapOvr>
-</p:sld>
-</file>
-
-<file path=ppt/slides/slide8.xml><?xml version="1.0" encoding="utf-8"?>
-<p:sld xmlns:a="http://schemas.openxmlformats.org/drawingml/2006/main" xmlns:r="http://schemas.openxmlformats.org/officeDocument/2006/relationships" xmlns:p="http://schemas.openxmlformats.org/presentationml/2006/main">
-  <p:cSld>
-    <p:spTree>
-      <p:nvGrpSpPr>
-        <p:cNvPr id="1" name=""/>
-        <p:cNvGrpSpPr/>
-        <p:nvPr/>
-      </p:nvGrpSpPr>
-      <p:grpSpPr>
-        <a:xfrm>
-          <a:off x="0" y="0"/>
-          <a:ext cx="0" cy="0"/>
-          <a:chOff x="0" y="0"/>
-          <a:chExt cx="0" cy="0"/>
-        </a:xfrm>
-      </p:grpSpPr>
-      <p:sp>
-        <p:nvSpPr>
-          <p:cNvPr id="4" name="标题 3">
-            <a:extLst>
-              <a:ext uri="{FF2B5EF4-FFF2-40B4-BE49-F238E27FC236}">
-                <a16:creationId xmlns:a16="http://schemas.microsoft.com/office/drawing/2014/main" id="{9B42AD7D-D682-436F-B33D-C7F4375FABB1}"/>
-              </a:ext>
-            </a:extLst>
-          </p:cNvPr>
-          <p:cNvSpPr>
-            <a:spLocks noGrp="1"/>
-          </p:cNvSpPr>
-          <p:nvPr>
-            <p:ph type="title"/>
-          </p:nvPr>
-        </p:nvSpPr>
-        <p:spPr>
-          <a:xfrm>
-            <a:off x="446725" y="174579"/>
-            <a:ext cx="3864864" cy="606656"/>
-          </a:xfrm>
-        </p:spPr>
-        <p:txBody>
-          <a:bodyPr>
-            <a:normAutofit fontScale="90000"/>
-          </a:bodyPr>
-          <a:lstStyle/>
-          <a:p>
-            <a:r>
-              <a:rPr lang="zh-CN" altLang="en-US" dirty="0"/>
-              <a:t>我的准备</a:t>
-            </a:r>
-          </a:p>
-        </p:txBody>
-      </p:sp>
-      <p:sp>
-        <p:nvSpPr>
-          <p:cNvPr id="5" name="内容占位符 4">
-            <a:extLst>
-              <a:ext uri="{FF2B5EF4-FFF2-40B4-BE49-F238E27FC236}">
-                <a16:creationId xmlns:a16="http://schemas.microsoft.com/office/drawing/2014/main" id="{65DAE0F9-1C9C-449E-9D0D-2643096FBAAB}"/>
-              </a:ext>
-            </a:extLst>
-          </p:cNvPr>
-          <p:cNvSpPr>
-            <a:spLocks noGrp="1"/>
-          </p:cNvSpPr>
-          <p:nvPr>
-            <p:ph idx="1"/>
-          </p:nvPr>
-        </p:nvSpPr>
-        <p:spPr>
-          <a:xfrm>
-            <a:off x="597645" y="1226494"/>
-            <a:ext cx="7729728" cy="3101983"/>
-          </a:xfrm>
-        </p:spPr>
-        <p:txBody>
-          <a:bodyPr>
-            <a:normAutofit/>
-          </a:bodyPr>
-          <a:lstStyle/>
-          <a:p>
-            <a:r>
-              <a:rPr lang="zh-CN" altLang="en-US" sz="2000" dirty="0"/>
-              <a:t>寒假：入门</a:t>
-            </a:r>
-            <a:r>
-              <a:rPr lang="en-US" altLang="zh-CN" sz="2000" dirty="0"/>
-              <a:t>C++</a:t>
-            </a:r>
-          </a:p>
-          <a:p>
-            <a:r>
-              <a:rPr lang="en-US" altLang="zh-CN" sz="2000" dirty="0"/>
-              <a:t>3</a:t>
-            </a:r>
-            <a:r>
-              <a:rPr lang="zh-CN" altLang="en-US" sz="2000" dirty="0"/>
-              <a:t>月：学习</a:t>
-            </a:r>
-            <a:r>
-              <a:rPr lang="en-US" altLang="zh-CN" sz="2000" dirty="0"/>
-              <a:t>C++</a:t>
-            </a:r>
-            <a:r>
-              <a:rPr lang="zh-CN" altLang="en-US" sz="2000" dirty="0"/>
-              <a:t>类相关知识</a:t>
-            </a:r>
-            <a:endParaRPr lang="en-US" altLang="zh-CN" sz="2000" dirty="0"/>
-          </a:p>
-          <a:p>
-            <a:r>
-              <a:rPr lang="zh-CN" altLang="en-US" sz="2000" dirty="0"/>
-              <a:t>三月底：完成贪吃蛇代码</a:t>
-            </a:r>
-            <a:endParaRPr lang="en-US" altLang="zh-CN" sz="2000" dirty="0"/>
-          </a:p>
-          <a:p>
-            <a:r>
-              <a:rPr lang="zh-CN" altLang="en-US" sz="2000" dirty="0"/>
-              <a:t>四月初：完成俄罗斯方块代码</a:t>
-            </a:r>
-            <a:endParaRPr lang="en-US" altLang="zh-CN" sz="2000" dirty="0"/>
-          </a:p>
-          <a:p>
-            <a:r>
-              <a:rPr lang="zh-CN" altLang="en-US" sz="2000" dirty="0"/>
-              <a:t>四月中旬：写</a:t>
-            </a:r>
-            <a:r>
-              <a:rPr lang="en-US" altLang="zh-CN" sz="2000" dirty="0"/>
-              <a:t>+</a:t>
-            </a:r>
-            <a:r>
-              <a:rPr lang="zh-CN" altLang="en-US" sz="2000" dirty="0"/>
-              <a:t>背面试稿子</a:t>
-            </a:r>
-          </a:p>
-        </p:txBody>
-      </p:sp>
-    </p:spTree>
-    <p:extLst>
-      <p:ext uri="{BB962C8B-B14F-4D97-AF65-F5344CB8AC3E}">
-        <p14:creationId xmlns:p14="http://schemas.microsoft.com/office/powerpoint/2010/main" val="3810499437"/>
-      </p:ext>
-    </p:extLst>
-  </p:cSld>
-  <p:clrMapOvr>
-    <a:masterClrMapping/>
-  </p:clrMapOvr>
-</p:sld>
-</file>
-
 <file path=ppt/slides/slide9.xml><?xml version="1.0" encoding="utf-8"?>
 <p:sld xmlns:a="http://schemas.openxmlformats.org/drawingml/2006/main" xmlns:r="http://schemas.openxmlformats.org/officeDocument/2006/relationships" xmlns:p="http://schemas.openxmlformats.org/presentationml/2006/main">
   <p:cSld>
@@ -6545,8 +7154,13 @@
           <a:p>
             <a:r>
               <a:rPr lang="zh-CN" altLang="en-US" dirty="0"/>
-              <a:t>自我介绍</a:t>
-            </a:r>
+              <a:t>可以为面试做的准备</a:t>
+            </a:r>
+            <a:r>
+              <a:rPr lang="en-US" altLang="zh-CN" dirty="0"/>
+              <a:t>……</a:t>
+            </a:r>
+            <a:endParaRPr lang="zh-CN" altLang="en-US" dirty="0"/>
           </a:p>
         </p:txBody>
       </p:sp>
@@ -6574,40 +7188,29 @@
           <a:lstStyle/>
           <a:p>
             <a:r>
-              <a:rPr lang="zh-CN" altLang="en-US" sz="2000" dirty="0"/>
-              <a:t>介绍自己的来源和要去的地方</a:t>
-            </a:r>
-            <a:endParaRPr lang="en-US" altLang="zh-CN" sz="2000" dirty="0"/>
-          </a:p>
-          <a:p>
-            <a:r>
-              <a:rPr lang="zh-CN" altLang="en-US" sz="2000" dirty="0"/>
-              <a:t>介绍自己想要转入</a:t>
-            </a:r>
-            <a:r>
-              <a:rPr lang="zh-CN" altLang="en-US" sz="2000" b="1" dirty="0"/>
-              <a:t> 软件 </a:t>
-            </a:r>
-            <a:r>
-              <a:rPr lang="zh-CN" altLang="en-US" sz="2000" dirty="0"/>
-              <a:t>的原因</a:t>
-            </a:r>
-            <a:endParaRPr lang="en-US" altLang="zh-CN" sz="2000" dirty="0"/>
-          </a:p>
-          <a:p>
-            <a:r>
-              <a:rPr lang="zh-CN" altLang="en-US" sz="2000" dirty="0"/>
-              <a:t>介绍自己的优势：有项目开发经验？擅长数理逻辑？</a:t>
-            </a:r>
-            <a:r>
-              <a:rPr lang="en-US" altLang="zh-CN" sz="2000" dirty="0"/>
-              <a:t>……</a:t>
-            </a:r>
-          </a:p>
-          <a:p>
-            <a:r>
-              <a:rPr lang="zh-CN" altLang="en-US" sz="2000" dirty="0"/>
-              <a:t>自己的未来规划：转入后，自己的规划如何？</a:t>
+              <a:rPr lang="zh-CN" altLang="en-US" sz="2800" dirty="0"/>
+              <a:t>自我介绍稿件（可以减少问题）</a:t>
+            </a:r>
+            <a:endParaRPr lang="en-US" altLang="zh-CN" sz="2800" dirty="0"/>
+          </a:p>
+          <a:p>
+            <a:r>
+              <a:rPr lang="zh-CN" altLang="en-US" sz="2800" dirty="0"/>
+              <a:t>准备点项目</a:t>
+            </a:r>
+            <a:endParaRPr lang="en-US" altLang="zh-CN" sz="2800" dirty="0"/>
+          </a:p>
+          <a:p>
+            <a:r>
+              <a:rPr lang="zh-CN" altLang="en-US" sz="2800" dirty="0"/>
+              <a:t>了解一些软件开发过程中的常见工具</a:t>
+            </a:r>
+            <a:endParaRPr lang="en-US" altLang="zh-CN" sz="2800" dirty="0"/>
+          </a:p>
+          <a:p>
+            <a:r>
+              <a:rPr lang="zh-CN" altLang="en-US" sz="2800" dirty="0"/>
+              <a:t>知道啥说啥，不要装懂</a:t>
             </a:r>
           </a:p>
         </p:txBody>
@@ -6615,7 +7218,7 @@
     </p:spTree>
     <p:extLst>
       <p:ext uri="{BB962C8B-B14F-4D97-AF65-F5344CB8AC3E}">
-        <p14:creationId xmlns:p14="http://schemas.microsoft.com/office/powerpoint/2010/main" val="3074495315"/>
+        <p14:creationId xmlns:p14="http://schemas.microsoft.com/office/powerpoint/2010/main" val="3509750597"/>
       </p:ext>
     </p:extLst>
   </p:cSld>
